--- a/HandsOnLab.pptx
+++ b/HandsOnLab.pptx
@@ -5,7 +5,7 @@
     <p:sldMasterId id="2147483648" r:id="rId1"/>
   </p:sldMasterIdLst>
   <p:notesMasterIdLst>
-    <p:notesMasterId r:id="rId7"/>
+    <p:notesMasterId r:id="rId12"/>
   </p:notesMasterIdLst>
   <p:sldIdLst>
     <p:sldId id="256" r:id="rId2"/>
@@ -13,6 +13,11 @@
     <p:sldId id="258" r:id="rId4"/>
     <p:sldId id="259" r:id="rId5"/>
     <p:sldId id="260" r:id="rId6"/>
+    <p:sldId id="261" r:id="rId7"/>
+    <p:sldId id="262" r:id="rId8"/>
+    <p:sldId id="263" r:id="rId9"/>
+    <p:sldId id="264" r:id="rId10"/>
+    <p:sldId id="265" r:id="rId11"/>
   </p:sldIdLst>
   <p:sldSz cx="12192000" cy="6858000"/>
   <p:notesSz cx="6858000" cy="9144000"/>
@@ -111,6 +116,11 @@
       </a:defRPr>
     </a:lvl9pPr>
   </p:defaultTextStyle>
+  <p:extLst>
+    <p:ext uri="{EFAFB233-063F-42B5-8137-9DF3F51BA10A}">
+      <p15:sldGuideLst xmlns:p15="http://schemas.microsoft.com/office/powerpoint/2012/main"/>
+    </p:ext>
+  </p:extLst>
 </p:presentation>
 </file>
 
@@ -196,7 +206,7 @@
           <a:p>
             <a:fld id="{BC2A126B-8A30-9940-9AB2-FCA6C44DDB89}" type="datetimeFigureOut">
               <a:rPr kumimoji="1" lang="zh-TW" altLang="en-US" smtClean="0"/>
-              <a:t>2021/7/24</a:t>
+              <a:t>2021/8/2</a:t>
             </a:fld>
             <a:endParaRPr kumimoji="1" lang="zh-TW" altLang="en-US"/>
           </a:p>
@@ -694,7 +704,7 @@
           <a:p>
             <a:fld id="{DFCD7630-6D6F-E549-BDD5-06CBD9D5C5A0}" type="datetime1">
               <a:rPr kumimoji="1" lang="zh-TW" altLang="en-US" smtClean="0"/>
-              <a:t>2021/7/24</a:t>
+              <a:t>2021/8/2</a:t>
             </a:fld>
             <a:endParaRPr kumimoji="1" lang="zh-TW" altLang="en-US"/>
           </a:p>
@@ -892,7 +902,7 @@
           <a:p>
             <a:fld id="{73CCA050-90D5-5843-8ADA-B3111DCA8FEC}" type="datetime1">
               <a:rPr kumimoji="1" lang="zh-TW" altLang="en-US" smtClean="0"/>
-              <a:t>2021/7/24</a:t>
+              <a:t>2021/8/2</a:t>
             </a:fld>
             <a:endParaRPr kumimoji="1" lang="zh-TW" altLang="en-US"/>
           </a:p>
@@ -1100,7 +1110,7 @@
           <a:p>
             <a:fld id="{36DCD85A-172B-084A-863B-CB1BC38880FD}" type="datetime1">
               <a:rPr kumimoji="1" lang="zh-TW" altLang="en-US" smtClean="0"/>
-              <a:t>2021/7/24</a:t>
+              <a:t>2021/8/2</a:t>
             </a:fld>
             <a:endParaRPr kumimoji="1" lang="zh-TW" altLang="en-US"/>
           </a:p>
@@ -1298,7 +1308,7 @@
           <a:p>
             <a:fld id="{7E809508-5D1E-C745-A6EB-35EAF45CE404}" type="datetime1">
               <a:rPr kumimoji="1" lang="zh-TW" altLang="en-US" smtClean="0"/>
-              <a:t>2021/7/24</a:t>
+              <a:t>2021/8/2</a:t>
             </a:fld>
             <a:endParaRPr kumimoji="1" lang="zh-TW" altLang="en-US"/>
           </a:p>
@@ -1573,7 +1583,7 @@
           <a:p>
             <a:fld id="{46230345-C76E-9149-9E15-A13A0E571640}" type="datetime1">
               <a:rPr kumimoji="1" lang="zh-TW" altLang="en-US" smtClean="0"/>
-              <a:t>2021/7/24</a:t>
+              <a:t>2021/8/2</a:t>
             </a:fld>
             <a:endParaRPr kumimoji="1" lang="zh-TW" altLang="en-US"/>
           </a:p>
@@ -1838,7 +1848,7 @@
           <a:p>
             <a:fld id="{96198D1E-E3D9-0740-9DBF-E42E9C5699F1}" type="datetime1">
               <a:rPr kumimoji="1" lang="zh-TW" altLang="en-US" smtClean="0"/>
-              <a:t>2021/7/24</a:t>
+              <a:t>2021/8/2</a:t>
             </a:fld>
             <a:endParaRPr kumimoji="1" lang="zh-TW" altLang="en-US"/>
           </a:p>
@@ -2250,7 +2260,7 @@
           <a:p>
             <a:fld id="{7016D405-1DDD-3A41-B44B-5A5245050DDC}" type="datetime1">
               <a:rPr kumimoji="1" lang="zh-TW" altLang="en-US" smtClean="0"/>
-              <a:t>2021/7/24</a:t>
+              <a:t>2021/8/2</a:t>
             </a:fld>
             <a:endParaRPr kumimoji="1" lang="zh-TW" altLang="en-US"/>
           </a:p>
@@ -2391,7 +2401,7 @@
           <a:p>
             <a:fld id="{2DF10627-E3B5-E94E-84DA-CC811210266D}" type="datetime1">
               <a:rPr kumimoji="1" lang="zh-TW" altLang="en-US" smtClean="0"/>
-              <a:t>2021/7/24</a:t>
+              <a:t>2021/8/2</a:t>
             </a:fld>
             <a:endParaRPr kumimoji="1" lang="zh-TW" altLang="en-US"/>
           </a:p>
@@ -2504,7 +2514,7 @@
           <a:p>
             <a:fld id="{42B33B98-BBE0-5248-ADD8-4A6EC459EBB4}" type="datetime1">
               <a:rPr kumimoji="1" lang="zh-TW" altLang="en-US" smtClean="0"/>
-              <a:t>2021/7/24</a:t>
+              <a:t>2021/8/2</a:t>
             </a:fld>
             <a:endParaRPr kumimoji="1" lang="zh-TW" altLang="en-US"/>
           </a:p>
@@ -2815,7 +2825,7 @@
           <a:p>
             <a:fld id="{EEB3DFBB-BEC8-DA4A-B840-E4BAA6139A38}" type="datetime1">
               <a:rPr kumimoji="1" lang="zh-TW" altLang="en-US" smtClean="0"/>
-              <a:t>2021/7/24</a:t>
+              <a:t>2021/8/2</a:t>
             </a:fld>
             <a:endParaRPr kumimoji="1" lang="zh-TW" altLang="en-US"/>
           </a:p>
@@ -3103,7 +3113,7 @@
           <a:p>
             <a:fld id="{96C10359-8563-D84E-B2DE-1C0CFB8A7894}" type="datetime1">
               <a:rPr kumimoji="1" lang="zh-TW" altLang="en-US" smtClean="0"/>
-              <a:t>2021/7/24</a:t>
+              <a:t>2021/8/2</a:t>
             </a:fld>
             <a:endParaRPr kumimoji="1" lang="zh-TW" altLang="en-US"/>
           </a:p>
@@ -3344,7 +3354,7 @@
           <a:p>
             <a:fld id="{A03E6B06-D2E0-604C-ACFB-F17F1614FB9E}" type="datetime1">
               <a:rPr kumimoji="1" lang="zh-TW" altLang="en-US" smtClean="0"/>
-              <a:t>2021/7/24</a:t>
+              <a:t>2021/8/2</a:t>
             </a:fld>
             <a:endParaRPr kumimoji="1" lang="zh-TW" altLang="en-US"/>
           </a:p>
@@ -3833,6 +3843,492 @@
 </p:sld>
 </file>
 
+<file path=ppt/slides/slide10.xml><?xml version="1.0" encoding="utf-8"?>
+<p:sld xmlns:a="http://schemas.openxmlformats.org/drawingml/2006/main" xmlns:r="http://schemas.openxmlformats.org/officeDocument/2006/relationships" xmlns:p="http://schemas.openxmlformats.org/presentationml/2006/main">
+  <p:cSld>
+    <p:spTree>
+      <p:nvGrpSpPr>
+        <p:cNvPr id="1" name=""/>
+        <p:cNvGrpSpPr/>
+        <p:nvPr/>
+      </p:nvGrpSpPr>
+      <p:grpSpPr>
+        <a:xfrm>
+          <a:off x="0" y="0"/>
+          <a:ext cx="0" cy="0"/>
+          <a:chOff x="0" y="0"/>
+          <a:chExt cx="0" cy="0"/>
+        </a:xfrm>
+      </p:grpSpPr>
+      <p:sp>
+        <p:nvSpPr>
+          <p:cNvPr id="2" name="標題 1">
+            <a:extLst>
+              <a:ext uri="{FF2B5EF4-FFF2-40B4-BE49-F238E27FC236}">
+                <a16:creationId xmlns:a16="http://schemas.microsoft.com/office/drawing/2014/main" id="{C3205B05-8557-ED47-ADA1-2F3089EE56ED}"/>
+              </a:ext>
+            </a:extLst>
+          </p:cNvPr>
+          <p:cNvSpPr>
+            <a:spLocks noGrp="1"/>
+          </p:cNvSpPr>
+          <p:nvPr>
+            <p:ph type="title"/>
+          </p:nvPr>
+        </p:nvSpPr>
+        <p:spPr/>
+        <p:txBody>
+          <a:bodyPr/>
+          <a:lstStyle/>
+          <a:p>
+            <a:endParaRPr kumimoji="1" lang="zh-TW" altLang="en-US"/>
+          </a:p>
+        </p:txBody>
+      </p:sp>
+      <p:sp>
+        <p:nvSpPr>
+          <p:cNvPr id="4" name="投影片編號版面配置區 3">
+            <a:extLst>
+              <a:ext uri="{FF2B5EF4-FFF2-40B4-BE49-F238E27FC236}">
+                <a16:creationId xmlns:a16="http://schemas.microsoft.com/office/drawing/2014/main" id="{60CC1160-4B4C-1240-9A1C-4B5F8AF3B12A}"/>
+              </a:ext>
+            </a:extLst>
+          </p:cNvPr>
+          <p:cNvSpPr>
+            <a:spLocks noGrp="1"/>
+          </p:cNvSpPr>
+          <p:nvPr>
+            <p:ph type="sldNum" sz="quarter" idx="12"/>
+          </p:nvPr>
+        </p:nvSpPr>
+        <p:spPr/>
+        <p:txBody>
+          <a:bodyPr/>
+          <a:lstStyle/>
+          <a:p>
+            <a:fld id="{783BE80A-BC3D-CF4B-B1C8-9CF300F4A34D}" type="slidenum">
+              <a:rPr kumimoji="1" lang="zh-TW" altLang="en-US" smtClean="0"/>
+              <a:t>9</a:t>
+            </a:fld>
+            <a:endParaRPr kumimoji="1" lang="zh-TW" altLang="en-US"/>
+          </a:p>
+        </p:txBody>
+      </p:sp>
+      <p:sp>
+        <p:nvSpPr>
+          <p:cNvPr id="5" name="圓角矩形 4">
+            <a:extLst>
+              <a:ext uri="{FF2B5EF4-FFF2-40B4-BE49-F238E27FC236}">
+                <a16:creationId xmlns:a16="http://schemas.microsoft.com/office/drawing/2014/main" id="{9BFC7B96-CE6E-5E4B-88BD-BA0288FBD197}"/>
+              </a:ext>
+            </a:extLst>
+          </p:cNvPr>
+          <p:cNvSpPr/>
+          <p:nvPr/>
+        </p:nvSpPr>
+        <p:spPr>
+          <a:xfrm>
+            <a:off x="1172095" y="2177935"/>
+            <a:ext cx="2585258" cy="1346662"/>
+          </a:xfrm>
+          <a:prstGeom prst="roundRect">
+            <a:avLst/>
+          </a:prstGeom>
+        </p:spPr>
+        <p:style>
+          <a:lnRef idx="2">
+            <a:schemeClr val="accent1">
+              <a:shade val="50000"/>
+            </a:schemeClr>
+          </a:lnRef>
+          <a:fillRef idx="1">
+            <a:schemeClr val="accent1"/>
+          </a:fillRef>
+          <a:effectRef idx="0">
+            <a:schemeClr val="accent1"/>
+          </a:effectRef>
+          <a:fontRef idx="minor">
+            <a:schemeClr val="lt1"/>
+          </a:fontRef>
+        </p:style>
+        <p:txBody>
+          <a:bodyPr rtlCol="0" anchor="ctr"/>
+          <a:lstStyle/>
+          <a:p>
+            <a:pPr algn="ctr"/>
+            <a:r>
+              <a:rPr kumimoji="1" lang="en-US" altLang="zh-TW" dirty="0"/>
+              <a:t>stage1</a:t>
+            </a:r>
+            <a:endParaRPr kumimoji="1" lang="zh-TW" altLang="en-US" dirty="0"/>
+          </a:p>
+        </p:txBody>
+      </p:sp>
+      <p:sp>
+        <p:nvSpPr>
+          <p:cNvPr id="6" name="圓角矩形 5">
+            <a:extLst>
+              <a:ext uri="{FF2B5EF4-FFF2-40B4-BE49-F238E27FC236}">
+                <a16:creationId xmlns:a16="http://schemas.microsoft.com/office/drawing/2014/main" id="{7DC95B33-6ED4-0A4F-B5AE-CFE2CA2D4148}"/>
+              </a:ext>
+            </a:extLst>
+          </p:cNvPr>
+          <p:cNvSpPr/>
+          <p:nvPr/>
+        </p:nvSpPr>
+        <p:spPr>
+          <a:xfrm>
+            <a:off x="1172095" y="4142509"/>
+            <a:ext cx="2585258" cy="1346662"/>
+          </a:xfrm>
+          <a:prstGeom prst="roundRect">
+            <a:avLst/>
+          </a:prstGeom>
+        </p:spPr>
+        <p:style>
+          <a:lnRef idx="2">
+            <a:schemeClr val="accent1">
+              <a:shade val="50000"/>
+            </a:schemeClr>
+          </a:lnRef>
+          <a:fillRef idx="1">
+            <a:schemeClr val="accent1"/>
+          </a:fillRef>
+          <a:effectRef idx="0">
+            <a:schemeClr val="accent1"/>
+          </a:effectRef>
+          <a:fontRef idx="minor">
+            <a:schemeClr val="lt1"/>
+          </a:fontRef>
+        </p:style>
+        <p:txBody>
+          <a:bodyPr rtlCol="0" anchor="ctr"/>
+          <a:lstStyle/>
+          <a:p>
+            <a:pPr algn="ctr"/>
+            <a:r>
+              <a:rPr kumimoji="1" lang="en-US" altLang="zh-TW" dirty="0"/>
+              <a:t>stage2</a:t>
+            </a:r>
+            <a:endParaRPr kumimoji="1" lang="zh-TW" altLang="en-US" dirty="0"/>
+          </a:p>
+        </p:txBody>
+      </p:sp>
+      <p:sp>
+        <p:nvSpPr>
+          <p:cNvPr id="7" name="圓角矩形 6">
+            <a:extLst>
+              <a:ext uri="{FF2B5EF4-FFF2-40B4-BE49-F238E27FC236}">
+                <a16:creationId xmlns:a16="http://schemas.microsoft.com/office/drawing/2014/main" id="{118AA3C0-D132-DC42-939B-D462F92BD5D8}"/>
+              </a:ext>
+            </a:extLst>
+          </p:cNvPr>
+          <p:cNvSpPr/>
+          <p:nvPr/>
+        </p:nvSpPr>
+        <p:spPr>
+          <a:xfrm>
+            <a:off x="7692044" y="3211484"/>
+            <a:ext cx="2585258" cy="1346662"/>
+          </a:xfrm>
+          <a:prstGeom prst="roundRect">
+            <a:avLst/>
+          </a:prstGeom>
+        </p:spPr>
+        <p:style>
+          <a:lnRef idx="2">
+            <a:schemeClr val="accent2">
+              <a:shade val="50000"/>
+            </a:schemeClr>
+          </a:lnRef>
+          <a:fillRef idx="1">
+            <a:schemeClr val="accent2"/>
+          </a:fillRef>
+          <a:effectRef idx="0">
+            <a:schemeClr val="accent2"/>
+          </a:effectRef>
+          <a:fontRef idx="minor">
+            <a:schemeClr val="lt1"/>
+          </a:fontRef>
+        </p:style>
+        <p:txBody>
+          <a:bodyPr rtlCol="0" anchor="ctr"/>
+          <a:lstStyle/>
+          <a:p>
+            <a:pPr algn="ctr"/>
+            <a:r>
+              <a:rPr kumimoji="1" lang="en-US" altLang="zh-TW" dirty="0"/>
+              <a:t>stage3</a:t>
+            </a:r>
+            <a:endParaRPr kumimoji="1" lang="zh-TW" altLang="en-US" dirty="0"/>
+          </a:p>
+        </p:txBody>
+      </p:sp>
+      <p:graphicFrame>
+        <p:nvGraphicFramePr>
+          <p:cNvPr id="3" name="表格 7">
+            <a:extLst>
+              <a:ext uri="{FF2B5EF4-FFF2-40B4-BE49-F238E27FC236}">
+                <a16:creationId xmlns:a16="http://schemas.microsoft.com/office/drawing/2014/main" id="{EF101546-D67D-9C42-BC6E-9CBCFF876746}"/>
+              </a:ext>
+            </a:extLst>
+          </p:cNvPr>
+          <p:cNvGraphicFramePr>
+            <a:graphicFrameLocks noGrp="1"/>
+          </p:cNvGraphicFramePr>
+          <p:nvPr>
+            <p:extLst>
+              <p:ext uri="{D42A27DB-BD31-4B8C-83A1-F6EECF244321}">
+                <p14:modId xmlns:p14="http://schemas.microsoft.com/office/powerpoint/2010/main" val="835479974"/>
+              </p:ext>
+            </p:extLst>
+          </p:nvPr>
+        </p:nvGraphicFramePr>
+        <p:xfrm>
+          <a:off x="3225800" y="2169622"/>
+          <a:ext cx="8128000" cy="1483360"/>
+        </p:xfrm>
+        <a:graphic>
+          <a:graphicData uri="http://schemas.openxmlformats.org/drawingml/2006/table">
+            <a:tbl>
+              <a:tblPr firstRow="1" bandRow="1">
+                <a:tableStyleId>{5C22544A-7EE6-4342-B048-85BDC9FD1C3A}</a:tableStyleId>
+              </a:tblPr>
+              <a:tblGrid>
+                <a:gridCol w="2032000">
+                  <a:extLst>
+                    <a:ext uri="{9D8B030D-6E8A-4147-A177-3AD203B41FA5}">
+                      <a16:colId xmlns:a16="http://schemas.microsoft.com/office/drawing/2014/main" val="2328600778"/>
+                    </a:ext>
+                  </a:extLst>
+                </a:gridCol>
+                <a:gridCol w="2032000">
+                  <a:extLst>
+                    <a:ext uri="{9D8B030D-6E8A-4147-A177-3AD203B41FA5}">
+                      <a16:colId xmlns:a16="http://schemas.microsoft.com/office/drawing/2014/main" val="1328601416"/>
+                    </a:ext>
+                  </a:extLst>
+                </a:gridCol>
+                <a:gridCol w="2032000">
+                  <a:extLst>
+                    <a:ext uri="{9D8B030D-6E8A-4147-A177-3AD203B41FA5}">
+                      <a16:colId xmlns:a16="http://schemas.microsoft.com/office/drawing/2014/main" val="2434155178"/>
+                    </a:ext>
+                  </a:extLst>
+                </a:gridCol>
+                <a:gridCol w="2032000">
+                  <a:extLst>
+                    <a:ext uri="{9D8B030D-6E8A-4147-A177-3AD203B41FA5}">
+                      <a16:colId xmlns:a16="http://schemas.microsoft.com/office/drawing/2014/main" val="437621543"/>
+                    </a:ext>
+                  </a:extLst>
+                </a:gridCol>
+              </a:tblGrid>
+              <a:tr h="370840">
+                <a:tc>
+                  <a:txBody>
+                    <a:bodyPr/>
+                    <a:lstStyle/>
+                    <a:p>
+                      <a:endParaRPr lang="zh-TW" altLang="en-US"/>
+                    </a:p>
+                  </a:txBody>
+                  <a:tcPr/>
+                </a:tc>
+                <a:tc>
+                  <a:txBody>
+                    <a:bodyPr/>
+                    <a:lstStyle/>
+                    <a:p>
+                      <a:endParaRPr lang="zh-TW" altLang="en-US"/>
+                    </a:p>
+                  </a:txBody>
+                  <a:tcPr/>
+                </a:tc>
+                <a:tc>
+                  <a:txBody>
+                    <a:bodyPr/>
+                    <a:lstStyle/>
+                    <a:p>
+                      <a:endParaRPr lang="zh-TW" altLang="en-US"/>
+                    </a:p>
+                  </a:txBody>
+                  <a:tcPr/>
+                </a:tc>
+                <a:tc>
+                  <a:txBody>
+                    <a:bodyPr/>
+                    <a:lstStyle/>
+                    <a:p>
+                      <a:endParaRPr lang="zh-TW" altLang="en-US"/>
+                    </a:p>
+                  </a:txBody>
+                  <a:tcPr/>
+                </a:tc>
+                <a:extLst>
+                  <a:ext uri="{0D108BD9-81ED-4DB2-BD59-A6C34878D82A}">
+                    <a16:rowId xmlns:a16="http://schemas.microsoft.com/office/drawing/2014/main" val="940286335"/>
+                  </a:ext>
+                </a:extLst>
+              </a:tr>
+              <a:tr h="370840">
+                <a:tc>
+                  <a:txBody>
+                    <a:bodyPr/>
+                    <a:lstStyle/>
+                    <a:p>
+                      <a:endParaRPr lang="zh-TW" altLang="en-US" dirty="0"/>
+                    </a:p>
+                  </a:txBody>
+                  <a:tcPr/>
+                </a:tc>
+                <a:tc>
+                  <a:txBody>
+                    <a:bodyPr/>
+                    <a:lstStyle/>
+                    <a:p>
+                      <a:endParaRPr lang="zh-TW" altLang="en-US" dirty="0"/>
+                    </a:p>
+                  </a:txBody>
+                  <a:tcPr/>
+                </a:tc>
+                <a:tc>
+                  <a:txBody>
+                    <a:bodyPr/>
+                    <a:lstStyle/>
+                    <a:p>
+                      <a:endParaRPr lang="zh-TW" altLang="en-US" dirty="0"/>
+                    </a:p>
+                  </a:txBody>
+                  <a:tcPr/>
+                </a:tc>
+                <a:tc>
+                  <a:txBody>
+                    <a:bodyPr/>
+                    <a:lstStyle/>
+                    <a:p>
+                      <a:endParaRPr lang="zh-TW" altLang="en-US" dirty="0"/>
+                    </a:p>
+                  </a:txBody>
+                  <a:tcPr/>
+                </a:tc>
+                <a:extLst>
+                  <a:ext uri="{0D108BD9-81ED-4DB2-BD59-A6C34878D82A}">
+                    <a16:rowId xmlns:a16="http://schemas.microsoft.com/office/drawing/2014/main" val="3367435288"/>
+                  </a:ext>
+                </a:extLst>
+              </a:tr>
+              <a:tr h="370840">
+                <a:tc>
+                  <a:txBody>
+                    <a:bodyPr/>
+                    <a:lstStyle/>
+                    <a:p>
+                      <a:endParaRPr lang="zh-TW" altLang="en-US"/>
+                    </a:p>
+                  </a:txBody>
+                  <a:tcPr/>
+                </a:tc>
+                <a:tc>
+                  <a:txBody>
+                    <a:bodyPr/>
+                    <a:lstStyle/>
+                    <a:p>
+                      <a:endParaRPr lang="zh-TW" altLang="en-US"/>
+                    </a:p>
+                  </a:txBody>
+                  <a:tcPr/>
+                </a:tc>
+                <a:tc>
+                  <a:txBody>
+                    <a:bodyPr/>
+                    <a:lstStyle/>
+                    <a:p>
+                      <a:endParaRPr lang="zh-TW" altLang="en-US"/>
+                    </a:p>
+                  </a:txBody>
+                  <a:tcPr/>
+                </a:tc>
+                <a:tc>
+                  <a:txBody>
+                    <a:bodyPr/>
+                    <a:lstStyle/>
+                    <a:p>
+                      <a:endParaRPr lang="zh-TW" altLang="en-US"/>
+                    </a:p>
+                  </a:txBody>
+                  <a:tcPr/>
+                </a:tc>
+                <a:extLst>
+                  <a:ext uri="{0D108BD9-81ED-4DB2-BD59-A6C34878D82A}">
+                    <a16:rowId xmlns:a16="http://schemas.microsoft.com/office/drawing/2014/main" val="984694756"/>
+                  </a:ext>
+                </a:extLst>
+              </a:tr>
+              <a:tr h="370840">
+                <a:tc>
+                  <a:txBody>
+                    <a:bodyPr/>
+                    <a:lstStyle/>
+                    <a:p>
+                      <a:endParaRPr lang="zh-TW" altLang="en-US"/>
+                    </a:p>
+                  </a:txBody>
+                  <a:tcPr/>
+                </a:tc>
+                <a:tc>
+                  <a:txBody>
+                    <a:bodyPr/>
+                    <a:lstStyle/>
+                    <a:p>
+                      <a:endParaRPr lang="zh-TW" altLang="en-US"/>
+                    </a:p>
+                  </a:txBody>
+                  <a:tcPr/>
+                </a:tc>
+                <a:tc>
+                  <a:txBody>
+                    <a:bodyPr/>
+                    <a:lstStyle/>
+                    <a:p>
+                      <a:endParaRPr lang="zh-TW" altLang="en-US"/>
+                    </a:p>
+                  </a:txBody>
+                  <a:tcPr/>
+                </a:tc>
+                <a:tc>
+                  <a:txBody>
+                    <a:bodyPr/>
+                    <a:lstStyle/>
+                    <a:p>
+                      <a:endParaRPr lang="zh-TW" altLang="en-US" dirty="0"/>
+                    </a:p>
+                  </a:txBody>
+                  <a:tcPr/>
+                </a:tc>
+                <a:extLst>
+                  <a:ext uri="{0D108BD9-81ED-4DB2-BD59-A6C34878D82A}">
+                    <a16:rowId xmlns:a16="http://schemas.microsoft.com/office/drawing/2014/main" val="1713188017"/>
+                  </a:ext>
+                </a:extLst>
+              </a:tr>
+            </a:tbl>
+          </a:graphicData>
+        </a:graphic>
+      </p:graphicFrame>
+    </p:spTree>
+    <p:extLst>
+      <p:ext uri="{BB962C8B-B14F-4D97-AF65-F5344CB8AC3E}">
+        <p14:creationId xmlns:p14="http://schemas.microsoft.com/office/powerpoint/2010/main" val="1741008117"/>
+      </p:ext>
+    </p:extLst>
+  </p:cSld>
+  <p:clrMapOvr>
+    <a:masterClrMapping/>
+  </p:clrMapOvr>
+</p:sld>
+</file>
+
 <file path=ppt/slides/slide2.xml><?xml version="1.0" encoding="utf-8"?>
 <p:sld xmlns:a="http://schemas.openxmlformats.org/drawingml/2006/main" xmlns:r="http://schemas.openxmlformats.org/officeDocument/2006/relationships" xmlns:p="http://schemas.openxmlformats.org/presentationml/2006/main">
   <p:cSld>
@@ -6069,6 +6565,1511 @@
     <p:extLst>
       <p:ext uri="{BB962C8B-B14F-4D97-AF65-F5344CB8AC3E}">
         <p14:creationId xmlns:p14="http://schemas.microsoft.com/office/powerpoint/2010/main" val="842316913"/>
+      </p:ext>
+    </p:extLst>
+  </p:cSld>
+  <p:clrMapOvr>
+    <a:masterClrMapping/>
+  </p:clrMapOvr>
+</p:sld>
+</file>
+
+<file path=ppt/slides/slide6.xml><?xml version="1.0" encoding="utf-8"?>
+<p:sld xmlns:a="http://schemas.openxmlformats.org/drawingml/2006/main" xmlns:r="http://schemas.openxmlformats.org/officeDocument/2006/relationships" xmlns:p="http://schemas.openxmlformats.org/presentationml/2006/main">
+  <p:cSld>
+    <p:spTree>
+      <p:nvGrpSpPr>
+        <p:cNvPr id="1" name=""/>
+        <p:cNvGrpSpPr/>
+        <p:nvPr/>
+      </p:nvGrpSpPr>
+      <p:grpSpPr>
+        <a:xfrm>
+          <a:off x="0" y="0"/>
+          <a:ext cx="0" cy="0"/>
+          <a:chOff x="0" y="0"/>
+          <a:chExt cx="0" cy="0"/>
+        </a:xfrm>
+      </p:grpSpPr>
+      <p:sp>
+        <p:nvSpPr>
+          <p:cNvPr id="2" name="標題 1">
+            <a:extLst>
+              <a:ext uri="{FF2B5EF4-FFF2-40B4-BE49-F238E27FC236}">
+                <a16:creationId xmlns:a16="http://schemas.microsoft.com/office/drawing/2014/main" id="{08C64CA6-9156-A045-978C-30EEECDEA4AD}"/>
+              </a:ext>
+            </a:extLst>
+          </p:cNvPr>
+          <p:cNvSpPr>
+            <a:spLocks noGrp="1"/>
+          </p:cNvSpPr>
+          <p:nvPr>
+            <p:ph type="title"/>
+          </p:nvPr>
+        </p:nvSpPr>
+        <p:spPr/>
+        <p:txBody>
+          <a:bodyPr/>
+          <a:lstStyle/>
+          <a:p>
+            <a:endParaRPr kumimoji="1" lang="zh-TW" altLang="en-US"/>
+          </a:p>
+        </p:txBody>
+      </p:sp>
+      <p:sp>
+        <p:nvSpPr>
+          <p:cNvPr id="4" name="投影片編號版面配置區 3">
+            <a:extLst>
+              <a:ext uri="{FF2B5EF4-FFF2-40B4-BE49-F238E27FC236}">
+                <a16:creationId xmlns:a16="http://schemas.microsoft.com/office/drawing/2014/main" id="{A402CF12-5D9B-1449-8230-65E33537B40F}"/>
+              </a:ext>
+            </a:extLst>
+          </p:cNvPr>
+          <p:cNvSpPr>
+            <a:spLocks noGrp="1"/>
+          </p:cNvSpPr>
+          <p:nvPr>
+            <p:ph type="sldNum" sz="quarter" idx="12"/>
+          </p:nvPr>
+        </p:nvSpPr>
+        <p:spPr/>
+        <p:txBody>
+          <a:bodyPr/>
+          <a:lstStyle/>
+          <a:p>
+            <a:fld id="{783BE80A-BC3D-CF4B-B1C8-9CF300F4A34D}" type="slidenum">
+              <a:rPr kumimoji="1" lang="zh-TW" altLang="en-US" smtClean="0"/>
+              <a:t>5</a:t>
+            </a:fld>
+            <a:endParaRPr kumimoji="1" lang="zh-TW" altLang="en-US"/>
+          </a:p>
+        </p:txBody>
+      </p:sp>
+      <p:sp>
+        <p:nvSpPr>
+          <p:cNvPr id="5" name="圓角矩形 4">
+            <a:extLst>
+              <a:ext uri="{FF2B5EF4-FFF2-40B4-BE49-F238E27FC236}">
+                <a16:creationId xmlns:a16="http://schemas.microsoft.com/office/drawing/2014/main" id="{13C218DC-F5FF-3741-917C-77FFC18B2D36}"/>
+              </a:ext>
+            </a:extLst>
+          </p:cNvPr>
+          <p:cNvSpPr/>
+          <p:nvPr/>
+        </p:nvSpPr>
+        <p:spPr>
+          <a:xfrm>
+            <a:off x="1097280" y="2186247"/>
+            <a:ext cx="1512916" cy="648393"/>
+          </a:xfrm>
+          <a:prstGeom prst="roundRect">
+            <a:avLst/>
+          </a:prstGeom>
+        </p:spPr>
+        <p:style>
+          <a:lnRef idx="2">
+            <a:schemeClr val="accent1">
+              <a:shade val="50000"/>
+            </a:schemeClr>
+          </a:lnRef>
+          <a:fillRef idx="1">
+            <a:schemeClr val="accent1"/>
+          </a:fillRef>
+          <a:effectRef idx="0">
+            <a:schemeClr val="accent1"/>
+          </a:effectRef>
+          <a:fontRef idx="minor">
+            <a:schemeClr val="lt1"/>
+          </a:fontRef>
+        </p:style>
+        <p:txBody>
+          <a:bodyPr rtlCol="0" anchor="ctr"/>
+          <a:lstStyle/>
+          <a:p>
+            <a:pPr algn="ctr"/>
+            <a:r>
+              <a:rPr kumimoji="1" lang="zh-TW" altLang="en-US" dirty="0"/>
+              <a:t>難點</a:t>
+            </a:r>
+            <a:r>
+              <a:rPr kumimoji="1" lang="en-US" altLang="zh-TW" dirty="0"/>
+              <a:t>1</a:t>
+            </a:r>
+            <a:endParaRPr kumimoji="1" lang="zh-TW" altLang="en-US" dirty="0"/>
+          </a:p>
+        </p:txBody>
+      </p:sp>
+      <p:sp>
+        <p:nvSpPr>
+          <p:cNvPr id="6" name="圓角矩形 5">
+            <a:extLst>
+              <a:ext uri="{FF2B5EF4-FFF2-40B4-BE49-F238E27FC236}">
+                <a16:creationId xmlns:a16="http://schemas.microsoft.com/office/drawing/2014/main" id="{092AE9FD-AE14-3842-9233-AC425B3D1A7E}"/>
+              </a:ext>
+            </a:extLst>
+          </p:cNvPr>
+          <p:cNvSpPr/>
+          <p:nvPr/>
+        </p:nvSpPr>
+        <p:spPr>
+          <a:xfrm>
+            <a:off x="3477491" y="2186246"/>
+            <a:ext cx="1512916" cy="648393"/>
+          </a:xfrm>
+          <a:prstGeom prst="roundRect">
+            <a:avLst/>
+          </a:prstGeom>
+        </p:spPr>
+        <p:style>
+          <a:lnRef idx="2">
+            <a:schemeClr val="accent2">
+              <a:shade val="50000"/>
+            </a:schemeClr>
+          </a:lnRef>
+          <a:fillRef idx="1">
+            <a:schemeClr val="accent2"/>
+          </a:fillRef>
+          <a:effectRef idx="0">
+            <a:schemeClr val="accent2"/>
+          </a:effectRef>
+          <a:fontRef idx="minor">
+            <a:schemeClr val="lt1"/>
+          </a:fontRef>
+        </p:style>
+        <p:txBody>
+          <a:bodyPr rtlCol="0" anchor="ctr"/>
+          <a:lstStyle/>
+          <a:p>
+            <a:pPr algn="ctr"/>
+            <a:r>
+              <a:rPr kumimoji="1" lang="zh-TW" altLang="en-US" dirty="0"/>
+              <a:t>技術創新</a:t>
+            </a:r>
+            <a:r>
+              <a:rPr kumimoji="1" lang="en-US" altLang="zh-TW" dirty="0"/>
+              <a:t>1</a:t>
+            </a:r>
+          </a:p>
+        </p:txBody>
+      </p:sp>
+      <p:sp>
+        <p:nvSpPr>
+          <p:cNvPr id="7" name="向右箭號 6">
+            <a:extLst>
+              <a:ext uri="{FF2B5EF4-FFF2-40B4-BE49-F238E27FC236}">
+                <a16:creationId xmlns:a16="http://schemas.microsoft.com/office/drawing/2014/main" id="{1F6C2968-94B7-484C-AEF9-32D75215BF57}"/>
+              </a:ext>
+            </a:extLst>
+          </p:cNvPr>
+          <p:cNvSpPr/>
+          <p:nvPr/>
+        </p:nvSpPr>
+        <p:spPr>
+          <a:xfrm>
+            <a:off x="2748741" y="2419001"/>
+            <a:ext cx="590204" cy="182882"/>
+          </a:xfrm>
+          <a:prstGeom prst="rightArrow">
+            <a:avLst/>
+          </a:prstGeom>
+        </p:spPr>
+        <p:style>
+          <a:lnRef idx="2">
+            <a:schemeClr val="accent1">
+              <a:shade val="50000"/>
+            </a:schemeClr>
+          </a:lnRef>
+          <a:fillRef idx="1">
+            <a:schemeClr val="accent1"/>
+          </a:fillRef>
+          <a:effectRef idx="0">
+            <a:schemeClr val="accent1"/>
+          </a:effectRef>
+          <a:fontRef idx="minor">
+            <a:schemeClr val="lt1"/>
+          </a:fontRef>
+        </p:style>
+        <p:txBody>
+          <a:bodyPr rtlCol="0" anchor="ctr"/>
+          <a:lstStyle/>
+          <a:p>
+            <a:pPr algn="ctr"/>
+            <a:endParaRPr kumimoji="1" lang="zh-TW" altLang="en-US"/>
+          </a:p>
+        </p:txBody>
+      </p:sp>
+      <p:sp>
+        <p:nvSpPr>
+          <p:cNvPr id="8" name="圓角矩形 7">
+            <a:extLst>
+              <a:ext uri="{FF2B5EF4-FFF2-40B4-BE49-F238E27FC236}">
+                <a16:creationId xmlns:a16="http://schemas.microsoft.com/office/drawing/2014/main" id="{7171102B-FE03-C74A-86C9-07D5C301EF33}"/>
+              </a:ext>
+            </a:extLst>
+          </p:cNvPr>
+          <p:cNvSpPr/>
+          <p:nvPr/>
+        </p:nvSpPr>
+        <p:spPr>
+          <a:xfrm>
+            <a:off x="1097280" y="3050930"/>
+            <a:ext cx="1512916" cy="648393"/>
+          </a:xfrm>
+          <a:prstGeom prst="roundRect">
+            <a:avLst/>
+          </a:prstGeom>
+        </p:spPr>
+        <p:style>
+          <a:lnRef idx="2">
+            <a:schemeClr val="accent1">
+              <a:shade val="50000"/>
+            </a:schemeClr>
+          </a:lnRef>
+          <a:fillRef idx="1">
+            <a:schemeClr val="accent1"/>
+          </a:fillRef>
+          <a:effectRef idx="0">
+            <a:schemeClr val="accent1"/>
+          </a:effectRef>
+          <a:fontRef idx="minor">
+            <a:schemeClr val="lt1"/>
+          </a:fontRef>
+        </p:style>
+        <p:txBody>
+          <a:bodyPr rtlCol="0" anchor="ctr"/>
+          <a:lstStyle/>
+          <a:p>
+            <a:pPr algn="ctr"/>
+            <a:r>
+              <a:rPr kumimoji="1" lang="zh-TW" altLang="en-US" dirty="0"/>
+              <a:t>難點</a:t>
+            </a:r>
+            <a:r>
+              <a:rPr kumimoji="1" lang="en-US" altLang="zh-TW" dirty="0"/>
+              <a:t>2</a:t>
+            </a:r>
+            <a:endParaRPr kumimoji="1" lang="zh-TW" altLang="en-US" dirty="0"/>
+          </a:p>
+        </p:txBody>
+      </p:sp>
+      <p:sp>
+        <p:nvSpPr>
+          <p:cNvPr id="9" name="圓角矩形 8">
+            <a:extLst>
+              <a:ext uri="{FF2B5EF4-FFF2-40B4-BE49-F238E27FC236}">
+                <a16:creationId xmlns:a16="http://schemas.microsoft.com/office/drawing/2014/main" id="{860B9F4C-8696-814B-BBDD-40AAF6E968AD}"/>
+              </a:ext>
+            </a:extLst>
+          </p:cNvPr>
+          <p:cNvSpPr/>
+          <p:nvPr/>
+        </p:nvSpPr>
+        <p:spPr>
+          <a:xfrm>
+            <a:off x="3477491" y="3050929"/>
+            <a:ext cx="1512916" cy="648393"/>
+          </a:xfrm>
+          <a:prstGeom prst="roundRect">
+            <a:avLst/>
+          </a:prstGeom>
+        </p:spPr>
+        <p:style>
+          <a:lnRef idx="2">
+            <a:schemeClr val="accent2">
+              <a:shade val="50000"/>
+            </a:schemeClr>
+          </a:lnRef>
+          <a:fillRef idx="1">
+            <a:schemeClr val="accent2"/>
+          </a:fillRef>
+          <a:effectRef idx="0">
+            <a:schemeClr val="accent2"/>
+          </a:effectRef>
+          <a:fontRef idx="minor">
+            <a:schemeClr val="lt1"/>
+          </a:fontRef>
+        </p:style>
+        <p:txBody>
+          <a:bodyPr rtlCol="0" anchor="ctr"/>
+          <a:lstStyle/>
+          <a:p>
+            <a:pPr algn="ctr"/>
+            <a:r>
+              <a:rPr kumimoji="1" lang="zh-TW" altLang="en-US" dirty="0"/>
+              <a:t>技術創新</a:t>
+            </a:r>
+            <a:r>
+              <a:rPr kumimoji="1" lang="en-US" altLang="zh-TW" dirty="0"/>
+              <a:t>2</a:t>
+            </a:r>
+          </a:p>
+        </p:txBody>
+      </p:sp>
+      <p:sp>
+        <p:nvSpPr>
+          <p:cNvPr id="10" name="向右箭號 9">
+            <a:extLst>
+              <a:ext uri="{FF2B5EF4-FFF2-40B4-BE49-F238E27FC236}">
+                <a16:creationId xmlns:a16="http://schemas.microsoft.com/office/drawing/2014/main" id="{27C78089-967C-2449-9BA2-31F4701379E3}"/>
+              </a:ext>
+            </a:extLst>
+          </p:cNvPr>
+          <p:cNvSpPr/>
+          <p:nvPr/>
+        </p:nvSpPr>
+        <p:spPr>
+          <a:xfrm>
+            <a:off x="2748741" y="3283684"/>
+            <a:ext cx="590204" cy="182882"/>
+          </a:xfrm>
+          <a:prstGeom prst="rightArrow">
+            <a:avLst/>
+          </a:prstGeom>
+        </p:spPr>
+        <p:style>
+          <a:lnRef idx="2">
+            <a:schemeClr val="accent1">
+              <a:shade val="50000"/>
+            </a:schemeClr>
+          </a:lnRef>
+          <a:fillRef idx="1">
+            <a:schemeClr val="accent1"/>
+          </a:fillRef>
+          <a:effectRef idx="0">
+            <a:schemeClr val="accent1"/>
+          </a:effectRef>
+          <a:fontRef idx="minor">
+            <a:schemeClr val="lt1"/>
+          </a:fontRef>
+        </p:style>
+        <p:txBody>
+          <a:bodyPr rtlCol="0" anchor="ctr"/>
+          <a:lstStyle/>
+          <a:p>
+            <a:pPr algn="ctr"/>
+            <a:endParaRPr kumimoji="1" lang="zh-TW" altLang="en-US"/>
+          </a:p>
+        </p:txBody>
+      </p:sp>
+      <p:sp>
+        <p:nvSpPr>
+          <p:cNvPr id="11" name="圓角矩形 10">
+            <a:extLst>
+              <a:ext uri="{FF2B5EF4-FFF2-40B4-BE49-F238E27FC236}">
+                <a16:creationId xmlns:a16="http://schemas.microsoft.com/office/drawing/2014/main" id="{0F4E66C3-71E4-2341-A9DE-BCF903989131}"/>
+              </a:ext>
+            </a:extLst>
+          </p:cNvPr>
+          <p:cNvSpPr/>
+          <p:nvPr/>
+        </p:nvSpPr>
+        <p:spPr>
+          <a:xfrm>
+            <a:off x="1097280" y="3915613"/>
+            <a:ext cx="1512916" cy="648393"/>
+          </a:xfrm>
+          <a:prstGeom prst="roundRect">
+            <a:avLst/>
+          </a:prstGeom>
+        </p:spPr>
+        <p:style>
+          <a:lnRef idx="2">
+            <a:schemeClr val="accent1">
+              <a:shade val="50000"/>
+            </a:schemeClr>
+          </a:lnRef>
+          <a:fillRef idx="1">
+            <a:schemeClr val="accent1"/>
+          </a:fillRef>
+          <a:effectRef idx="0">
+            <a:schemeClr val="accent1"/>
+          </a:effectRef>
+          <a:fontRef idx="minor">
+            <a:schemeClr val="lt1"/>
+          </a:fontRef>
+        </p:style>
+        <p:txBody>
+          <a:bodyPr rtlCol="0" anchor="ctr"/>
+          <a:lstStyle/>
+          <a:p>
+            <a:pPr algn="ctr"/>
+            <a:r>
+              <a:rPr kumimoji="1" lang="zh-TW" altLang="en-US" dirty="0"/>
+              <a:t>難點</a:t>
+            </a:r>
+            <a:r>
+              <a:rPr kumimoji="1" lang="en-US" altLang="zh-TW" dirty="0"/>
+              <a:t>3</a:t>
+            </a:r>
+            <a:endParaRPr kumimoji="1" lang="zh-TW" altLang="en-US" dirty="0"/>
+          </a:p>
+        </p:txBody>
+      </p:sp>
+      <p:sp>
+        <p:nvSpPr>
+          <p:cNvPr id="12" name="圓角矩形 11">
+            <a:extLst>
+              <a:ext uri="{FF2B5EF4-FFF2-40B4-BE49-F238E27FC236}">
+                <a16:creationId xmlns:a16="http://schemas.microsoft.com/office/drawing/2014/main" id="{6BE35A6C-CBDE-FF4C-9784-43133608E773}"/>
+              </a:ext>
+            </a:extLst>
+          </p:cNvPr>
+          <p:cNvSpPr/>
+          <p:nvPr/>
+        </p:nvSpPr>
+        <p:spPr>
+          <a:xfrm>
+            <a:off x="3477491" y="3915612"/>
+            <a:ext cx="1512916" cy="648393"/>
+          </a:xfrm>
+          <a:prstGeom prst="roundRect">
+            <a:avLst/>
+          </a:prstGeom>
+        </p:spPr>
+        <p:style>
+          <a:lnRef idx="2">
+            <a:schemeClr val="accent2">
+              <a:shade val="50000"/>
+            </a:schemeClr>
+          </a:lnRef>
+          <a:fillRef idx="1">
+            <a:schemeClr val="accent2"/>
+          </a:fillRef>
+          <a:effectRef idx="0">
+            <a:schemeClr val="accent2"/>
+          </a:effectRef>
+          <a:fontRef idx="minor">
+            <a:schemeClr val="lt1"/>
+          </a:fontRef>
+        </p:style>
+        <p:txBody>
+          <a:bodyPr rtlCol="0" anchor="ctr"/>
+          <a:lstStyle/>
+          <a:p>
+            <a:pPr algn="ctr"/>
+            <a:r>
+              <a:rPr kumimoji="1" lang="zh-TW" altLang="en-US" dirty="0"/>
+              <a:t>技術創新</a:t>
+            </a:r>
+            <a:r>
+              <a:rPr kumimoji="1" lang="en-US" altLang="zh-TW" dirty="0"/>
+              <a:t>3</a:t>
+            </a:r>
+          </a:p>
+        </p:txBody>
+      </p:sp>
+      <p:sp>
+        <p:nvSpPr>
+          <p:cNvPr id="13" name="向右箭號 12">
+            <a:extLst>
+              <a:ext uri="{FF2B5EF4-FFF2-40B4-BE49-F238E27FC236}">
+                <a16:creationId xmlns:a16="http://schemas.microsoft.com/office/drawing/2014/main" id="{ED6907E0-333E-5744-847E-C6D824588ECC}"/>
+              </a:ext>
+            </a:extLst>
+          </p:cNvPr>
+          <p:cNvSpPr/>
+          <p:nvPr/>
+        </p:nvSpPr>
+        <p:spPr>
+          <a:xfrm>
+            <a:off x="2748741" y="4148367"/>
+            <a:ext cx="590204" cy="182882"/>
+          </a:xfrm>
+          <a:prstGeom prst="rightArrow">
+            <a:avLst/>
+          </a:prstGeom>
+        </p:spPr>
+        <p:style>
+          <a:lnRef idx="2">
+            <a:schemeClr val="accent1">
+              <a:shade val="50000"/>
+            </a:schemeClr>
+          </a:lnRef>
+          <a:fillRef idx="1">
+            <a:schemeClr val="accent1"/>
+          </a:fillRef>
+          <a:effectRef idx="0">
+            <a:schemeClr val="accent1"/>
+          </a:effectRef>
+          <a:fontRef idx="minor">
+            <a:schemeClr val="lt1"/>
+          </a:fontRef>
+        </p:style>
+        <p:txBody>
+          <a:bodyPr rtlCol="0" anchor="ctr"/>
+          <a:lstStyle/>
+          <a:p>
+            <a:pPr algn="ctr"/>
+            <a:endParaRPr kumimoji="1" lang="zh-TW" altLang="en-US"/>
+          </a:p>
+        </p:txBody>
+      </p:sp>
+      <p:sp>
+        <p:nvSpPr>
+          <p:cNvPr id="14" name="圓角矩形 13">
+            <a:extLst>
+              <a:ext uri="{FF2B5EF4-FFF2-40B4-BE49-F238E27FC236}">
+                <a16:creationId xmlns:a16="http://schemas.microsoft.com/office/drawing/2014/main" id="{DC2D8CC2-B171-B647-B070-6CE7E043DEE7}"/>
+              </a:ext>
+            </a:extLst>
+          </p:cNvPr>
+          <p:cNvSpPr/>
+          <p:nvPr/>
+        </p:nvSpPr>
+        <p:spPr>
+          <a:xfrm>
+            <a:off x="1097280" y="4780296"/>
+            <a:ext cx="1512916" cy="648393"/>
+          </a:xfrm>
+          <a:prstGeom prst="roundRect">
+            <a:avLst/>
+          </a:prstGeom>
+        </p:spPr>
+        <p:style>
+          <a:lnRef idx="2">
+            <a:schemeClr val="accent1">
+              <a:shade val="50000"/>
+            </a:schemeClr>
+          </a:lnRef>
+          <a:fillRef idx="1">
+            <a:schemeClr val="accent1"/>
+          </a:fillRef>
+          <a:effectRef idx="0">
+            <a:schemeClr val="accent1"/>
+          </a:effectRef>
+          <a:fontRef idx="minor">
+            <a:schemeClr val="lt1"/>
+          </a:fontRef>
+        </p:style>
+        <p:txBody>
+          <a:bodyPr rtlCol="0" anchor="ctr"/>
+          <a:lstStyle/>
+          <a:p>
+            <a:pPr algn="ctr"/>
+            <a:r>
+              <a:rPr kumimoji="1" lang="zh-TW" altLang="en-US" dirty="0"/>
+              <a:t>難點</a:t>
+            </a:r>
+            <a:r>
+              <a:rPr kumimoji="1" lang="en-US" altLang="zh-TW" dirty="0"/>
+              <a:t>4</a:t>
+            </a:r>
+            <a:endParaRPr kumimoji="1" lang="zh-TW" altLang="en-US" dirty="0"/>
+          </a:p>
+        </p:txBody>
+      </p:sp>
+      <p:sp>
+        <p:nvSpPr>
+          <p:cNvPr id="15" name="圓角矩形 14">
+            <a:extLst>
+              <a:ext uri="{FF2B5EF4-FFF2-40B4-BE49-F238E27FC236}">
+                <a16:creationId xmlns:a16="http://schemas.microsoft.com/office/drawing/2014/main" id="{CE40DAE2-2D8A-0547-8DF4-FCB5624BE3BD}"/>
+              </a:ext>
+            </a:extLst>
+          </p:cNvPr>
+          <p:cNvSpPr/>
+          <p:nvPr/>
+        </p:nvSpPr>
+        <p:spPr>
+          <a:xfrm>
+            <a:off x="3477491" y="4780295"/>
+            <a:ext cx="1512916" cy="648393"/>
+          </a:xfrm>
+          <a:prstGeom prst="roundRect">
+            <a:avLst/>
+          </a:prstGeom>
+        </p:spPr>
+        <p:style>
+          <a:lnRef idx="2">
+            <a:schemeClr val="accent2">
+              <a:shade val="50000"/>
+            </a:schemeClr>
+          </a:lnRef>
+          <a:fillRef idx="1">
+            <a:schemeClr val="accent2"/>
+          </a:fillRef>
+          <a:effectRef idx="0">
+            <a:schemeClr val="accent2"/>
+          </a:effectRef>
+          <a:fontRef idx="minor">
+            <a:schemeClr val="lt1"/>
+          </a:fontRef>
+        </p:style>
+        <p:txBody>
+          <a:bodyPr rtlCol="0" anchor="ctr"/>
+          <a:lstStyle/>
+          <a:p>
+            <a:pPr algn="ctr"/>
+            <a:r>
+              <a:rPr kumimoji="1" lang="zh-TW" altLang="en-US" dirty="0"/>
+              <a:t>技術創新</a:t>
+            </a:r>
+            <a:r>
+              <a:rPr kumimoji="1" lang="en-US" altLang="zh-TW" dirty="0"/>
+              <a:t>4</a:t>
+            </a:r>
+          </a:p>
+        </p:txBody>
+      </p:sp>
+      <p:sp>
+        <p:nvSpPr>
+          <p:cNvPr id="16" name="向右箭號 15">
+            <a:extLst>
+              <a:ext uri="{FF2B5EF4-FFF2-40B4-BE49-F238E27FC236}">
+                <a16:creationId xmlns:a16="http://schemas.microsoft.com/office/drawing/2014/main" id="{37C15979-E3B9-3A41-A0A3-FB0EEF12A692}"/>
+              </a:ext>
+            </a:extLst>
+          </p:cNvPr>
+          <p:cNvSpPr/>
+          <p:nvPr/>
+        </p:nvSpPr>
+        <p:spPr>
+          <a:xfrm>
+            <a:off x="2748741" y="5013050"/>
+            <a:ext cx="590204" cy="182882"/>
+          </a:xfrm>
+          <a:prstGeom prst="rightArrow">
+            <a:avLst/>
+          </a:prstGeom>
+        </p:spPr>
+        <p:style>
+          <a:lnRef idx="2">
+            <a:schemeClr val="accent1">
+              <a:shade val="50000"/>
+            </a:schemeClr>
+          </a:lnRef>
+          <a:fillRef idx="1">
+            <a:schemeClr val="accent1"/>
+          </a:fillRef>
+          <a:effectRef idx="0">
+            <a:schemeClr val="accent1"/>
+          </a:effectRef>
+          <a:fontRef idx="minor">
+            <a:schemeClr val="lt1"/>
+          </a:fontRef>
+        </p:style>
+        <p:txBody>
+          <a:bodyPr rtlCol="0" anchor="ctr"/>
+          <a:lstStyle/>
+          <a:p>
+            <a:pPr algn="ctr"/>
+            <a:endParaRPr kumimoji="1" lang="zh-TW" altLang="en-US"/>
+          </a:p>
+        </p:txBody>
+      </p:sp>
+      <p:sp>
+        <p:nvSpPr>
+          <p:cNvPr id="20" name="圓角矩形 19">
+            <a:extLst>
+              <a:ext uri="{FF2B5EF4-FFF2-40B4-BE49-F238E27FC236}">
+                <a16:creationId xmlns:a16="http://schemas.microsoft.com/office/drawing/2014/main" id="{7ECFDCD7-D610-584C-9451-12622DD75EF0}"/>
+              </a:ext>
+            </a:extLst>
+          </p:cNvPr>
+          <p:cNvSpPr/>
+          <p:nvPr/>
+        </p:nvSpPr>
+        <p:spPr>
+          <a:xfrm>
+            <a:off x="6669578" y="2959487"/>
+            <a:ext cx="2947880" cy="1263378"/>
+          </a:xfrm>
+          <a:prstGeom prst="roundRect">
+            <a:avLst/>
+          </a:prstGeom>
+        </p:spPr>
+        <p:style>
+          <a:lnRef idx="2">
+            <a:schemeClr val="accent1">
+              <a:shade val="50000"/>
+            </a:schemeClr>
+          </a:lnRef>
+          <a:fillRef idx="1">
+            <a:schemeClr val="accent1"/>
+          </a:fillRef>
+          <a:effectRef idx="0">
+            <a:schemeClr val="accent1"/>
+          </a:effectRef>
+          <a:fontRef idx="minor">
+            <a:schemeClr val="lt1"/>
+          </a:fontRef>
+        </p:style>
+        <p:txBody>
+          <a:bodyPr rtlCol="0" anchor="ctr"/>
+          <a:lstStyle/>
+          <a:p>
+            <a:pPr algn="ctr"/>
+            <a:r>
+              <a:rPr kumimoji="1" lang="zh-TW" altLang="en-US" dirty="0"/>
+              <a:t>難點</a:t>
+            </a:r>
+            <a:r>
+              <a:rPr kumimoji="1" lang="en-US" altLang="zh-TW" dirty="0"/>
+              <a:t>1</a:t>
+            </a:r>
+            <a:endParaRPr kumimoji="1" lang="zh-TW" altLang="en-US" dirty="0"/>
+          </a:p>
+        </p:txBody>
+      </p:sp>
+      <p:sp>
+        <p:nvSpPr>
+          <p:cNvPr id="21" name="圓角矩形 20">
+            <a:extLst>
+              <a:ext uri="{FF2B5EF4-FFF2-40B4-BE49-F238E27FC236}">
+                <a16:creationId xmlns:a16="http://schemas.microsoft.com/office/drawing/2014/main" id="{68D91C8A-7EA6-8148-AA48-A397BCB94E6C}"/>
+              </a:ext>
+            </a:extLst>
+          </p:cNvPr>
+          <p:cNvSpPr/>
+          <p:nvPr/>
+        </p:nvSpPr>
+        <p:spPr>
+          <a:xfrm>
+            <a:off x="7572619" y="4399017"/>
+            <a:ext cx="1141798" cy="489342"/>
+          </a:xfrm>
+          <a:prstGeom prst="roundRect">
+            <a:avLst/>
+          </a:prstGeom>
+        </p:spPr>
+        <p:style>
+          <a:lnRef idx="2">
+            <a:schemeClr val="accent2">
+              <a:shade val="50000"/>
+            </a:schemeClr>
+          </a:lnRef>
+          <a:fillRef idx="1">
+            <a:schemeClr val="accent2"/>
+          </a:fillRef>
+          <a:effectRef idx="0">
+            <a:schemeClr val="accent2"/>
+          </a:effectRef>
+          <a:fontRef idx="minor">
+            <a:schemeClr val="lt1"/>
+          </a:fontRef>
+        </p:style>
+        <p:txBody>
+          <a:bodyPr rtlCol="0" anchor="ctr"/>
+          <a:lstStyle/>
+          <a:p>
+            <a:pPr algn="ctr"/>
+            <a:r>
+              <a:rPr kumimoji="1" lang="zh-TW" altLang="en-US" dirty="0"/>
+              <a:t>技術創新</a:t>
+            </a:r>
+            <a:r>
+              <a:rPr kumimoji="1" lang="en-US" altLang="zh-TW" dirty="0"/>
+              <a:t>1</a:t>
+            </a:r>
+          </a:p>
+        </p:txBody>
+      </p:sp>
+    </p:spTree>
+    <p:extLst>
+      <p:ext uri="{BB962C8B-B14F-4D97-AF65-F5344CB8AC3E}">
+        <p14:creationId xmlns:p14="http://schemas.microsoft.com/office/powerpoint/2010/main" val="1586286874"/>
+      </p:ext>
+    </p:extLst>
+  </p:cSld>
+  <p:clrMapOvr>
+    <a:masterClrMapping/>
+  </p:clrMapOvr>
+</p:sld>
+</file>
+
+<file path=ppt/slides/slide7.xml><?xml version="1.0" encoding="utf-8"?>
+<p:sld xmlns:a="http://schemas.openxmlformats.org/drawingml/2006/main" xmlns:r="http://schemas.openxmlformats.org/officeDocument/2006/relationships" xmlns:p="http://schemas.openxmlformats.org/presentationml/2006/main">
+  <p:cSld>
+    <p:spTree>
+      <p:nvGrpSpPr>
+        <p:cNvPr id="1" name=""/>
+        <p:cNvGrpSpPr/>
+        <p:nvPr/>
+      </p:nvGrpSpPr>
+      <p:grpSpPr>
+        <a:xfrm>
+          <a:off x="0" y="0"/>
+          <a:ext cx="0" cy="0"/>
+          <a:chOff x="0" y="0"/>
+          <a:chExt cx="0" cy="0"/>
+        </a:xfrm>
+      </p:grpSpPr>
+      <p:sp>
+        <p:nvSpPr>
+          <p:cNvPr id="2" name="標題 1">
+            <a:extLst>
+              <a:ext uri="{FF2B5EF4-FFF2-40B4-BE49-F238E27FC236}">
+                <a16:creationId xmlns:a16="http://schemas.microsoft.com/office/drawing/2014/main" id="{C3205B05-8557-ED47-ADA1-2F3089EE56ED}"/>
+              </a:ext>
+            </a:extLst>
+          </p:cNvPr>
+          <p:cNvSpPr>
+            <a:spLocks noGrp="1"/>
+          </p:cNvSpPr>
+          <p:nvPr>
+            <p:ph type="title"/>
+          </p:nvPr>
+        </p:nvSpPr>
+        <p:spPr/>
+        <p:txBody>
+          <a:bodyPr/>
+          <a:lstStyle/>
+          <a:p>
+            <a:endParaRPr kumimoji="1" lang="zh-TW" altLang="en-US"/>
+          </a:p>
+        </p:txBody>
+      </p:sp>
+      <p:sp>
+        <p:nvSpPr>
+          <p:cNvPr id="4" name="投影片編號版面配置區 3">
+            <a:extLst>
+              <a:ext uri="{FF2B5EF4-FFF2-40B4-BE49-F238E27FC236}">
+                <a16:creationId xmlns:a16="http://schemas.microsoft.com/office/drawing/2014/main" id="{60CC1160-4B4C-1240-9A1C-4B5F8AF3B12A}"/>
+              </a:ext>
+            </a:extLst>
+          </p:cNvPr>
+          <p:cNvSpPr>
+            <a:spLocks noGrp="1"/>
+          </p:cNvSpPr>
+          <p:nvPr>
+            <p:ph type="sldNum" sz="quarter" idx="12"/>
+          </p:nvPr>
+        </p:nvSpPr>
+        <p:spPr/>
+        <p:txBody>
+          <a:bodyPr/>
+          <a:lstStyle/>
+          <a:p>
+            <a:fld id="{783BE80A-BC3D-CF4B-B1C8-9CF300F4A34D}" type="slidenum">
+              <a:rPr kumimoji="1" lang="zh-TW" altLang="en-US" smtClean="0"/>
+              <a:t>6</a:t>
+            </a:fld>
+            <a:endParaRPr kumimoji="1" lang="zh-TW" altLang="en-US"/>
+          </a:p>
+        </p:txBody>
+      </p:sp>
+      <p:sp>
+        <p:nvSpPr>
+          <p:cNvPr id="5" name="圓角矩形 4">
+            <a:extLst>
+              <a:ext uri="{FF2B5EF4-FFF2-40B4-BE49-F238E27FC236}">
+                <a16:creationId xmlns:a16="http://schemas.microsoft.com/office/drawing/2014/main" id="{9BFC7B96-CE6E-5E4B-88BD-BA0288FBD197}"/>
+              </a:ext>
+            </a:extLst>
+          </p:cNvPr>
+          <p:cNvSpPr/>
+          <p:nvPr/>
+        </p:nvSpPr>
+        <p:spPr>
+          <a:xfrm>
+            <a:off x="1172095" y="2169622"/>
+            <a:ext cx="2585258" cy="1346662"/>
+          </a:xfrm>
+          <a:prstGeom prst="roundRect">
+            <a:avLst/>
+          </a:prstGeom>
+        </p:spPr>
+        <p:style>
+          <a:lnRef idx="2">
+            <a:schemeClr val="accent1">
+              <a:shade val="50000"/>
+            </a:schemeClr>
+          </a:lnRef>
+          <a:fillRef idx="1">
+            <a:schemeClr val="accent1"/>
+          </a:fillRef>
+          <a:effectRef idx="0">
+            <a:schemeClr val="accent1"/>
+          </a:effectRef>
+          <a:fontRef idx="minor">
+            <a:schemeClr val="lt1"/>
+          </a:fontRef>
+        </p:style>
+        <p:txBody>
+          <a:bodyPr rtlCol="0" anchor="ctr"/>
+          <a:lstStyle/>
+          <a:p>
+            <a:pPr algn="ctr"/>
+            <a:r>
+              <a:rPr kumimoji="1" lang="en-US" altLang="zh-TW" dirty="0"/>
+              <a:t>stage1</a:t>
+            </a:r>
+            <a:endParaRPr kumimoji="1" lang="zh-TW" altLang="en-US" dirty="0"/>
+          </a:p>
+        </p:txBody>
+      </p:sp>
+      <p:sp>
+        <p:nvSpPr>
+          <p:cNvPr id="6" name="圓角矩形 5">
+            <a:extLst>
+              <a:ext uri="{FF2B5EF4-FFF2-40B4-BE49-F238E27FC236}">
+                <a16:creationId xmlns:a16="http://schemas.microsoft.com/office/drawing/2014/main" id="{7DC95B33-6ED4-0A4F-B5AE-CFE2CA2D4148}"/>
+              </a:ext>
+            </a:extLst>
+          </p:cNvPr>
+          <p:cNvSpPr/>
+          <p:nvPr/>
+        </p:nvSpPr>
+        <p:spPr>
+          <a:xfrm>
+            <a:off x="1172095" y="4142509"/>
+            <a:ext cx="2585258" cy="1346662"/>
+          </a:xfrm>
+          <a:prstGeom prst="roundRect">
+            <a:avLst/>
+          </a:prstGeom>
+        </p:spPr>
+        <p:style>
+          <a:lnRef idx="2">
+            <a:schemeClr val="accent1">
+              <a:shade val="50000"/>
+            </a:schemeClr>
+          </a:lnRef>
+          <a:fillRef idx="1">
+            <a:schemeClr val="accent1"/>
+          </a:fillRef>
+          <a:effectRef idx="0">
+            <a:schemeClr val="accent1"/>
+          </a:effectRef>
+          <a:fontRef idx="minor">
+            <a:schemeClr val="lt1"/>
+          </a:fontRef>
+        </p:style>
+        <p:txBody>
+          <a:bodyPr rtlCol="0" anchor="ctr"/>
+          <a:lstStyle/>
+          <a:p>
+            <a:pPr algn="ctr"/>
+            <a:r>
+              <a:rPr kumimoji="1" lang="en-US" altLang="zh-TW" dirty="0"/>
+              <a:t>stage2</a:t>
+            </a:r>
+            <a:endParaRPr kumimoji="1" lang="zh-TW" altLang="en-US" dirty="0"/>
+          </a:p>
+        </p:txBody>
+      </p:sp>
+      <p:sp>
+        <p:nvSpPr>
+          <p:cNvPr id="7" name="圓角矩形 6">
+            <a:extLst>
+              <a:ext uri="{FF2B5EF4-FFF2-40B4-BE49-F238E27FC236}">
+                <a16:creationId xmlns:a16="http://schemas.microsoft.com/office/drawing/2014/main" id="{118AA3C0-D132-DC42-939B-D462F92BD5D8}"/>
+              </a:ext>
+            </a:extLst>
+          </p:cNvPr>
+          <p:cNvSpPr/>
+          <p:nvPr/>
+        </p:nvSpPr>
+        <p:spPr>
+          <a:xfrm>
+            <a:off x="7692044" y="3211484"/>
+            <a:ext cx="2585258" cy="1346662"/>
+          </a:xfrm>
+          <a:prstGeom prst="roundRect">
+            <a:avLst/>
+          </a:prstGeom>
+        </p:spPr>
+        <p:style>
+          <a:lnRef idx="2">
+            <a:schemeClr val="accent1">
+              <a:shade val="50000"/>
+            </a:schemeClr>
+          </a:lnRef>
+          <a:fillRef idx="1">
+            <a:schemeClr val="accent1"/>
+          </a:fillRef>
+          <a:effectRef idx="0">
+            <a:schemeClr val="accent1"/>
+          </a:effectRef>
+          <a:fontRef idx="minor">
+            <a:schemeClr val="lt1"/>
+          </a:fontRef>
+        </p:style>
+        <p:txBody>
+          <a:bodyPr rtlCol="0" anchor="ctr"/>
+          <a:lstStyle/>
+          <a:p>
+            <a:pPr algn="ctr"/>
+            <a:r>
+              <a:rPr kumimoji="1" lang="en-US" altLang="zh-TW" dirty="0"/>
+              <a:t>stage3</a:t>
+            </a:r>
+            <a:endParaRPr kumimoji="1" lang="zh-TW" altLang="en-US" dirty="0"/>
+          </a:p>
+        </p:txBody>
+      </p:sp>
+    </p:spTree>
+    <p:extLst>
+      <p:ext uri="{BB962C8B-B14F-4D97-AF65-F5344CB8AC3E}">
+        <p14:creationId xmlns:p14="http://schemas.microsoft.com/office/powerpoint/2010/main" val="3480261226"/>
+      </p:ext>
+    </p:extLst>
+  </p:cSld>
+  <p:clrMapOvr>
+    <a:masterClrMapping/>
+  </p:clrMapOvr>
+</p:sld>
+</file>
+
+<file path=ppt/slides/slide8.xml><?xml version="1.0" encoding="utf-8"?>
+<p:sld xmlns:a="http://schemas.openxmlformats.org/drawingml/2006/main" xmlns:r="http://schemas.openxmlformats.org/officeDocument/2006/relationships" xmlns:p="http://schemas.openxmlformats.org/presentationml/2006/main">
+  <p:cSld>
+    <p:spTree>
+      <p:nvGrpSpPr>
+        <p:cNvPr id="1" name=""/>
+        <p:cNvGrpSpPr/>
+        <p:nvPr/>
+      </p:nvGrpSpPr>
+      <p:grpSpPr>
+        <a:xfrm>
+          <a:off x="0" y="0"/>
+          <a:ext cx="0" cy="0"/>
+          <a:chOff x="0" y="0"/>
+          <a:chExt cx="0" cy="0"/>
+        </a:xfrm>
+      </p:grpSpPr>
+      <p:sp>
+        <p:nvSpPr>
+          <p:cNvPr id="2" name="標題 1">
+            <a:extLst>
+              <a:ext uri="{FF2B5EF4-FFF2-40B4-BE49-F238E27FC236}">
+                <a16:creationId xmlns:a16="http://schemas.microsoft.com/office/drawing/2014/main" id="{C3205B05-8557-ED47-ADA1-2F3089EE56ED}"/>
+              </a:ext>
+            </a:extLst>
+          </p:cNvPr>
+          <p:cNvSpPr>
+            <a:spLocks noGrp="1"/>
+          </p:cNvSpPr>
+          <p:nvPr>
+            <p:ph type="title"/>
+          </p:nvPr>
+        </p:nvSpPr>
+        <p:spPr/>
+        <p:txBody>
+          <a:bodyPr/>
+          <a:lstStyle/>
+          <a:p>
+            <a:endParaRPr kumimoji="1" lang="zh-TW" altLang="en-US"/>
+          </a:p>
+        </p:txBody>
+      </p:sp>
+      <p:sp>
+        <p:nvSpPr>
+          <p:cNvPr id="4" name="投影片編號版面配置區 3">
+            <a:extLst>
+              <a:ext uri="{FF2B5EF4-FFF2-40B4-BE49-F238E27FC236}">
+                <a16:creationId xmlns:a16="http://schemas.microsoft.com/office/drawing/2014/main" id="{60CC1160-4B4C-1240-9A1C-4B5F8AF3B12A}"/>
+              </a:ext>
+            </a:extLst>
+          </p:cNvPr>
+          <p:cNvSpPr>
+            <a:spLocks noGrp="1"/>
+          </p:cNvSpPr>
+          <p:nvPr>
+            <p:ph type="sldNum" sz="quarter" idx="12"/>
+          </p:nvPr>
+        </p:nvSpPr>
+        <p:spPr/>
+        <p:txBody>
+          <a:bodyPr/>
+          <a:lstStyle/>
+          <a:p>
+            <a:fld id="{783BE80A-BC3D-CF4B-B1C8-9CF300F4A34D}" type="slidenum">
+              <a:rPr kumimoji="1" lang="zh-TW" altLang="en-US" smtClean="0"/>
+              <a:t>7</a:t>
+            </a:fld>
+            <a:endParaRPr kumimoji="1" lang="zh-TW" altLang="en-US"/>
+          </a:p>
+        </p:txBody>
+      </p:sp>
+      <p:sp>
+        <p:nvSpPr>
+          <p:cNvPr id="5" name="圓角矩形 4">
+            <a:extLst>
+              <a:ext uri="{FF2B5EF4-FFF2-40B4-BE49-F238E27FC236}">
+                <a16:creationId xmlns:a16="http://schemas.microsoft.com/office/drawing/2014/main" id="{9BFC7B96-CE6E-5E4B-88BD-BA0288FBD197}"/>
+              </a:ext>
+            </a:extLst>
+          </p:cNvPr>
+          <p:cNvSpPr/>
+          <p:nvPr/>
+        </p:nvSpPr>
+        <p:spPr>
+          <a:xfrm>
+            <a:off x="1172095" y="2169622"/>
+            <a:ext cx="2585258" cy="1346662"/>
+          </a:xfrm>
+          <a:prstGeom prst="roundRect">
+            <a:avLst/>
+          </a:prstGeom>
+        </p:spPr>
+        <p:style>
+          <a:lnRef idx="2">
+            <a:schemeClr val="accent2">
+              <a:shade val="50000"/>
+            </a:schemeClr>
+          </a:lnRef>
+          <a:fillRef idx="1">
+            <a:schemeClr val="accent2"/>
+          </a:fillRef>
+          <a:effectRef idx="0">
+            <a:schemeClr val="accent2"/>
+          </a:effectRef>
+          <a:fontRef idx="minor">
+            <a:schemeClr val="lt1"/>
+          </a:fontRef>
+        </p:style>
+        <p:txBody>
+          <a:bodyPr rtlCol="0" anchor="ctr"/>
+          <a:lstStyle/>
+          <a:p>
+            <a:pPr algn="ctr"/>
+            <a:r>
+              <a:rPr kumimoji="1" lang="en-US" altLang="zh-TW" dirty="0"/>
+              <a:t>stage1</a:t>
+            </a:r>
+            <a:endParaRPr kumimoji="1" lang="zh-TW" altLang="en-US" dirty="0"/>
+          </a:p>
+        </p:txBody>
+      </p:sp>
+      <p:sp>
+        <p:nvSpPr>
+          <p:cNvPr id="6" name="圓角矩形 5">
+            <a:extLst>
+              <a:ext uri="{FF2B5EF4-FFF2-40B4-BE49-F238E27FC236}">
+                <a16:creationId xmlns:a16="http://schemas.microsoft.com/office/drawing/2014/main" id="{7DC95B33-6ED4-0A4F-B5AE-CFE2CA2D4148}"/>
+              </a:ext>
+            </a:extLst>
+          </p:cNvPr>
+          <p:cNvSpPr/>
+          <p:nvPr/>
+        </p:nvSpPr>
+        <p:spPr>
+          <a:xfrm>
+            <a:off x="1172095" y="4142509"/>
+            <a:ext cx="2585258" cy="1346662"/>
+          </a:xfrm>
+          <a:prstGeom prst="roundRect">
+            <a:avLst/>
+          </a:prstGeom>
+        </p:spPr>
+        <p:style>
+          <a:lnRef idx="2">
+            <a:schemeClr val="accent1">
+              <a:shade val="50000"/>
+            </a:schemeClr>
+          </a:lnRef>
+          <a:fillRef idx="1">
+            <a:schemeClr val="accent1"/>
+          </a:fillRef>
+          <a:effectRef idx="0">
+            <a:schemeClr val="accent1"/>
+          </a:effectRef>
+          <a:fontRef idx="minor">
+            <a:schemeClr val="lt1"/>
+          </a:fontRef>
+        </p:style>
+        <p:txBody>
+          <a:bodyPr rtlCol="0" anchor="ctr"/>
+          <a:lstStyle/>
+          <a:p>
+            <a:pPr algn="ctr"/>
+            <a:r>
+              <a:rPr kumimoji="1" lang="en-US" altLang="zh-TW" dirty="0"/>
+              <a:t>stage2</a:t>
+            </a:r>
+            <a:endParaRPr kumimoji="1" lang="zh-TW" altLang="en-US" dirty="0"/>
+          </a:p>
+        </p:txBody>
+      </p:sp>
+      <p:sp>
+        <p:nvSpPr>
+          <p:cNvPr id="7" name="圓角矩形 6">
+            <a:extLst>
+              <a:ext uri="{FF2B5EF4-FFF2-40B4-BE49-F238E27FC236}">
+                <a16:creationId xmlns:a16="http://schemas.microsoft.com/office/drawing/2014/main" id="{118AA3C0-D132-DC42-939B-D462F92BD5D8}"/>
+              </a:ext>
+            </a:extLst>
+          </p:cNvPr>
+          <p:cNvSpPr/>
+          <p:nvPr/>
+        </p:nvSpPr>
+        <p:spPr>
+          <a:xfrm>
+            <a:off x="7692044" y="3211484"/>
+            <a:ext cx="2585258" cy="1346662"/>
+          </a:xfrm>
+          <a:prstGeom prst="roundRect">
+            <a:avLst/>
+          </a:prstGeom>
+        </p:spPr>
+        <p:style>
+          <a:lnRef idx="2">
+            <a:schemeClr val="accent1">
+              <a:shade val="50000"/>
+            </a:schemeClr>
+          </a:lnRef>
+          <a:fillRef idx="1">
+            <a:schemeClr val="accent1"/>
+          </a:fillRef>
+          <a:effectRef idx="0">
+            <a:schemeClr val="accent1"/>
+          </a:effectRef>
+          <a:fontRef idx="minor">
+            <a:schemeClr val="lt1"/>
+          </a:fontRef>
+        </p:style>
+        <p:txBody>
+          <a:bodyPr rtlCol="0" anchor="ctr"/>
+          <a:lstStyle/>
+          <a:p>
+            <a:pPr algn="ctr"/>
+            <a:r>
+              <a:rPr kumimoji="1" lang="en-US" altLang="zh-TW" dirty="0"/>
+              <a:t>stage3</a:t>
+            </a:r>
+            <a:endParaRPr kumimoji="1" lang="zh-TW" altLang="en-US" dirty="0"/>
+          </a:p>
+        </p:txBody>
+      </p:sp>
+    </p:spTree>
+    <p:extLst>
+      <p:ext uri="{BB962C8B-B14F-4D97-AF65-F5344CB8AC3E}">
+        <p14:creationId xmlns:p14="http://schemas.microsoft.com/office/powerpoint/2010/main" val="1749252838"/>
+      </p:ext>
+    </p:extLst>
+  </p:cSld>
+  <p:clrMapOvr>
+    <a:masterClrMapping/>
+  </p:clrMapOvr>
+</p:sld>
+</file>
+
+<file path=ppt/slides/slide9.xml><?xml version="1.0" encoding="utf-8"?>
+<p:sld xmlns:a="http://schemas.openxmlformats.org/drawingml/2006/main" xmlns:r="http://schemas.openxmlformats.org/officeDocument/2006/relationships" xmlns:p="http://schemas.openxmlformats.org/presentationml/2006/main">
+  <p:cSld>
+    <p:spTree>
+      <p:nvGrpSpPr>
+        <p:cNvPr id="1" name=""/>
+        <p:cNvGrpSpPr/>
+        <p:nvPr/>
+      </p:nvGrpSpPr>
+      <p:grpSpPr>
+        <a:xfrm>
+          <a:off x="0" y="0"/>
+          <a:ext cx="0" cy="0"/>
+          <a:chOff x="0" y="0"/>
+          <a:chExt cx="0" cy="0"/>
+        </a:xfrm>
+      </p:grpSpPr>
+      <p:sp>
+        <p:nvSpPr>
+          <p:cNvPr id="2" name="標題 1">
+            <a:extLst>
+              <a:ext uri="{FF2B5EF4-FFF2-40B4-BE49-F238E27FC236}">
+                <a16:creationId xmlns:a16="http://schemas.microsoft.com/office/drawing/2014/main" id="{C3205B05-8557-ED47-ADA1-2F3089EE56ED}"/>
+              </a:ext>
+            </a:extLst>
+          </p:cNvPr>
+          <p:cNvSpPr>
+            <a:spLocks noGrp="1"/>
+          </p:cNvSpPr>
+          <p:nvPr>
+            <p:ph type="title"/>
+          </p:nvPr>
+        </p:nvSpPr>
+        <p:spPr/>
+        <p:txBody>
+          <a:bodyPr/>
+          <a:lstStyle/>
+          <a:p>
+            <a:endParaRPr kumimoji="1" lang="zh-TW" altLang="en-US"/>
+          </a:p>
+        </p:txBody>
+      </p:sp>
+      <p:sp>
+        <p:nvSpPr>
+          <p:cNvPr id="4" name="投影片編號版面配置區 3">
+            <a:extLst>
+              <a:ext uri="{FF2B5EF4-FFF2-40B4-BE49-F238E27FC236}">
+                <a16:creationId xmlns:a16="http://schemas.microsoft.com/office/drawing/2014/main" id="{60CC1160-4B4C-1240-9A1C-4B5F8AF3B12A}"/>
+              </a:ext>
+            </a:extLst>
+          </p:cNvPr>
+          <p:cNvSpPr>
+            <a:spLocks noGrp="1"/>
+          </p:cNvSpPr>
+          <p:nvPr>
+            <p:ph type="sldNum" sz="quarter" idx="12"/>
+          </p:nvPr>
+        </p:nvSpPr>
+        <p:spPr/>
+        <p:txBody>
+          <a:bodyPr/>
+          <a:lstStyle/>
+          <a:p>
+            <a:fld id="{783BE80A-BC3D-CF4B-B1C8-9CF300F4A34D}" type="slidenum">
+              <a:rPr kumimoji="1" lang="zh-TW" altLang="en-US" smtClean="0"/>
+              <a:t>8</a:t>
+            </a:fld>
+            <a:endParaRPr kumimoji="1" lang="zh-TW" altLang="en-US"/>
+          </a:p>
+        </p:txBody>
+      </p:sp>
+      <p:sp>
+        <p:nvSpPr>
+          <p:cNvPr id="5" name="圓角矩形 4">
+            <a:extLst>
+              <a:ext uri="{FF2B5EF4-FFF2-40B4-BE49-F238E27FC236}">
+                <a16:creationId xmlns:a16="http://schemas.microsoft.com/office/drawing/2014/main" id="{9BFC7B96-CE6E-5E4B-88BD-BA0288FBD197}"/>
+              </a:ext>
+            </a:extLst>
+          </p:cNvPr>
+          <p:cNvSpPr/>
+          <p:nvPr/>
+        </p:nvSpPr>
+        <p:spPr>
+          <a:xfrm>
+            <a:off x="1172095" y="2169622"/>
+            <a:ext cx="2585258" cy="1346662"/>
+          </a:xfrm>
+          <a:prstGeom prst="roundRect">
+            <a:avLst/>
+          </a:prstGeom>
+        </p:spPr>
+        <p:style>
+          <a:lnRef idx="2">
+            <a:schemeClr val="accent1">
+              <a:shade val="50000"/>
+            </a:schemeClr>
+          </a:lnRef>
+          <a:fillRef idx="1">
+            <a:schemeClr val="accent1"/>
+          </a:fillRef>
+          <a:effectRef idx="0">
+            <a:schemeClr val="accent1"/>
+          </a:effectRef>
+          <a:fontRef idx="minor">
+            <a:schemeClr val="lt1"/>
+          </a:fontRef>
+        </p:style>
+        <p:txBody>
+          <a:bodyPr rtlCol="0" anchor="ctr"/>
+          <a:lstStyle/>
+          <a:p>
+            <a:pPr algn="ctr"/>
+            <a:r>
+              <a:rPr kumimoji="1" lang="en-US" altLang="zh-TW" dirty="0"/>
+              <a:t>stage1</a:t>
+            </a:r>
+            <a:endParaRPr kumimoji="1" lang="zh-TW" altLang="en-US" dirty="0"/>
+          </a:p>
+        </p:txBody>
+      </p:sp>
+      <p:sp>
+        <p:nvSpPr>
+          <p:cNvPr id="6" name="圓角矩形 5">
+            <a:extLst>
+              <a:ext uri="{FF2B5EF4-FFF2-40B4-BE49-F238E27FC236}">
+                <a16:creationId xmlns:a16="http://schemas.microsoft.com/office/drawing/2014/main" id="{7DC95B33-6ED4-0A4F-B5AE-CFE2CA2D4148}"/>
+              </a:ext>
+            </a:extLst>
+          </p:cNvPr>
+          <p:cNvSpPr/>
+          <p:nvPr/>
+        </p:nvSpPr>
+        <p:spPr>
+          <a:xfrm>
+            <a:off x="1172095" y="4142509"/>
+            <a:ext cx="2585258" cy="1346662"/>
+          </a:xfrm>
+          <a:prstGeom prst="roundRect">
+            <a:avLst/>
+          </a:prstGeom>
+        </p:spPr>
+        <p:style>
+          <a:lnRef idx="2">
+            <a:schemeClr val="accent2">
+              <a:shade val="50000"/>
+            </a:schemeClr>
+          </a:lnRef>
+          <a:fillRef idx="1">
+            <a:schemeClr val="accent2"/>
+          </a:fillRef>
+          <a:effectRef idx="0">
+            <a:schemeClr val="accent2"/>
+          </a:effectRef>
+          <a:fontRef idx="minor">
+            <a:schemeClr val="lt1"/>
+          </a:fontRef>
+        </p:style>
+        <p:txBody>
+          <a:bodyPr rtlCol="0" anchor="ctr"/>
+          <a:lstStyle/>
+          <a:p>
+            <a:pPr algn="ctr"/>
+            <a:r>
+              <a:rPr kumimoji="1" lang="en-US" altLang="zh-TW" dirty="0"/>
+              <a:t>stage2</a:t>
+            </a:r>
+            <a:endParaRPr kumimoji="1" lang="zh-TW" altLang="en-US" dirty="0"/>
+          </a:p>
+        </p:txBody>
+      </p:sp>
+      <p:sp>
+        <p:nvSpPr>
+          <p:cNvPr id="7" name="圓角矩形 6">
+            <a:extLst>
+              <a:ext uri="{FF2B5EF4-FFF2-40B4-BE49-F238E27FC236}">
+                <a16:creationId xmlns:a16="http://schemas.microsoft.com/office/drawing/2014/main" id="{118AA3C0-D132-DC42-939B-D462F92BD5D8}"/>
+              </a:ext>
+            </a:extLst>
+          </p:cNvPr>
+          <p:cNvSpPr/>
+          <p:nvPr/>
+        </p:nvSpPr>
+        <p:spPr>
+          <a:xfrm>
+            <a:off x="7692044" y="3211484"/>
+            <a:ext cx="2585258" cy="1346662"/>
+          </a:xfrm>
+          <a:prstGeom prst="roundRect">
+            <a:avLst/>
+          </a:prstGeom>
+        </p:spPr>
+        <p:style>
+          <a:lnRef idx="2">
+            <a:schemeClr val="accent1">
+              <a:shade val="50000"/>
+            </a:schemeClr>
+          </a:lnRef>
+          <a:fillRef idx="1">
+            <a:schemeClr val="accent1"/>
+          </a:fillRef>
+          <a:effectRef idx="0">
+            <a:schemeClr val="accent1"/>
+          </a:effectRef>
+          <a:fontRef idx="minor">
+            <a:schemeClr val="lt1"/>
+          </a:fontRef>
+        </p:style>
+        <p:txBody>
+          <a:bodyPr rtlCol="0" anchor="ctr"/>
+          <a:lstStyle/>
+          <a:p>
+            <a:pPr algn="ctr"/>
+            <a:r>
+              <a:rPr kumimoji="1" lang="en-US" altLang="zh-TW" dirty="0"/>
+              <a:t>stage3</a:t>
+            </a:r>
+            <a:endParaRPr kumimoji="1" lang="zh-TW" altLang="en-US" dirty="0"/>
+          </a:p>
+        </p:txBody>
+      </p:sp>
+    </p:spTree>
+    <p:extLst>
+      <p:ext uri="{BB962C8B-B14F-4D97-AF65-F5344CB8AC3E}">
+        <p14:creationId xmlns:p14="http://schemas.microsoft.com/office/powerpoint/2010/main" val="3666261125"/>
       </p:ext>
     </p:extLst>
   </p:cSld>

--- a/HandsOnLab.pptx
+++ b/HandsOnLab.pptx
@@ -5,7 +5,7 @@
     <p:sldMasterId id="2147483648" r:id="rId1"/>
   </p:sldMasterIdLst>
   <p:notesMasterIdLst>
-    <p:notesMasterId r:id="rId12"/>
+    <p:notesMasterId r:id="rId7"/>
   </p:notesMasterIdLst>
   <p:sldIdLst>
     <p:sldId id="256" r:id="rId2"/>
@@ -13,11 +13,6 @@
     <p:sldId id="258" r:id="rId4"/>
     <p:sldId id="259" r:id="rId5"/>
     <p:sldId id="260" r:id="rId6"/>
-    <p:sldId id="261" r:id="rId7"/>
-    <p:sldId id="262" r:id="rId8"/>
-    <p:sldId id="263" r:id="rId9"/>
-    <p:sldId id="264" r:id="rId10"/>
-    <p:sldId id="265" r:id="rId11"/>
   </p:sldIdLst>
   <p:sldSz cx="12192000" cy="6858000"/>
   <p:notesSz cx="6858000" cy="9144000"/>
@@ -206,7 +201,7 @@
           <a:p>
             <a:fld id="{BC2A126B-8A30-9940-9AB2-FCA6C44DDB89}" type="datetimeFigureOut">
               <a:rPr kumimoji="1" lang="zh-TW" altLang="en-US" smtClean="0"/>
-              <a:t>2021/8/2</a:t>
+              <a:t>2021/8/26</a:t>
             </a:fld>
             <a:endParaRPr kumimoji="1" lang="zh-TW" altLang="en-US"/>
           </a:p>
@@ -704,7 +699,7 @@
           <a:p>
             <a:fld id="{DFCD7630-6D6F-E549-BDD5-06CBD9D5C5A0}" type="datetime1">
               <a:rPr kumimoji="1" lang="zh-TW" altLang="en-US" smtClean="0"/>
-              <a:t>2021/8/2</a:t>
+              <a:t>2021/8/26</a:t>
             </a:fld>
             <a:endParaRPr kumimoji="1" lang="zh-TW" altLang="en-US"/>
           </a:p>
@@ -902,7 +897,7 @@
           <a:p>
             <a:fld id="{73CCA050-90D5-5843-8ADA-B3111DCA8FEC}" type="datetime1">
               <a:rPr kumimoji="1" lang="zh-TW" altLang="en-US" smtClean="0"/>
-              <a:t>2021/8/2</a:t>
+              <a:t>2021/8/26</a:t>
             </a:fld>
             <a:endParaRPr kumimoji="1" lang="zh-TW" altLang="en-US"/>
           </a:p>
@@ -1110,7 +1105,7 @@
           <a:p>
             <a:fld id="{36DCD85A-172B-084A-863B-CB1BC38880FD}" type="datetime1">
               <a:rPr kumimoji="1" lang="zh-TW" altLang="en-US" smtClean="0"/>
-              <a:t>2021/8/2</a:t>
+              <a:t>2021/8/26</a:t>
             </a:fld>
             <a:endParaRPr kumimoji="1" lang="zh-TW" altLang="en-US"/>
           </a:p>
@@ -1308,7 +1303,7 @@
           <a:p>
             <a:fld id="{7E809508-5D1E-C745-A6EB-35EAF45CE404}" type="datetime1">
               <a:rPr kumimoji="1" lang="zh-TW" altLang="en-US" smtClean="0"/>
-              <a:t>2021/8/2</a:t>
+              <a:t>2021/8/26</a:t>
             </a:fld>
             <a:endParaRPr kumimoji="1" lang="zh-TW" altLang="en-US"/>
           </a:p>
@@ -1583,7 +1578,7 @@
           <a:p>
             <a:fld id="{46230345-C76E-9149-9E15-A13A0E571640}" type="datetime1">
               <a:rPr kumimoji="1" lang="zh-TW" altLang="en-US" smtClean="0"/>
-              <a:t>2021/8/2</a:t>
+              <a:t>2021/8/26</a:t>
             </a:fld>
             <a:endParaRPr kumimoji="1" lang="zh-TW" altLang="en-US"/>
           </a:p>
@@ -1848,7 +1843,7 @@
           <a:p>
             <a:fld id="{96198D1E-E3D9-0740-9DBF-E42E9C5699F1}" type="datetime1">
               <a:rPr kumimoji="1" lang="zh-TW" altLang="en-US" smtClean="0"/>
-              <a:t>2021/8/2</a:t>
+              <a:t>2021/8/26</a:t>
             </a:fld>
             <a:endParaRPr kumimoji="1" lang="zh-TW" altLang="en-US"/>
           </a:p>
@@ -2260,7 +2255,7 @@
           <a:p>
             <a:fld id="{7016D405-1DDD-3A41-B44B-5A5245050DDC}" type="datetime1">
               <a:rPr kumimoji="1" lang="zh-TW" altLang="en-US" smtClean="0"/>
-              <a:t>2021/8/2</a:t>
+              <a:t>2021/8/26</a:t>
             </a:fld>
             <a:endParaRPr kumimoji="1" lang="zh-TW" altLang="en-US"/>
           </a:p>
@@ -2401,7 +2396,7 @@
           <a:p>
             <a:fld id="{2DF10627-E3B5-E94E-84DA-CC811210266D}" type="datetime1">
               <a:rPr kumimoji="1" lang="zh-TW" altLang="en-US" smtClean="0"/>
-              <a:t>2021/8/2</a:t>
+              <a:t>2021/8/26</a:t>
             </a:fld>
             <a:endParaRPr kumimoji="1" lang="zh-TW" altLang="en-US"/>
           </a:p>
@@ -2514,7 +2509,7 @@
           <a:p>
             <a:fld id="{42B33B98-BBE0-5248-ADD8-4A6EC459EBB4}" type="datetime1">
               <a:rPr kumimoji="1" lang="zh-TW" altLang="en-US" smtClean="0"/>
-              <a:t>2021/8/2</a:t>
+              <a:t>2021/8/26</a:t>
             </a:fld>
             <a:endParaRPr kumimoji="1" lang="zh-TW" altLang="en-US"/>
           </a:p>
@@ -2825,7 +2820,7 @@
           <a:p>
             <a:fld id="{EEB3DFBB-BEC8-DA4A-B840-E4BAA6139A38}" type="datetime1">
               <a:rPr kumimoji="1" lang="zh-TW" altLang="en-US" smtClean="0"/>
-              <a:t>2021/8/2</a:t>
+              <a:t>2021/8/26</a:t>
             </a:fld>
             <a:endParaRPr kumimoji="1" lang="zh-TW" altLang="en-US"/>
           </a:p>
@@ -3113,7 +3108,7 @@
           <a:p>
             <a:fld id="{96C10359-8563-D84E-B2DE-1C0CFB8A7894}" type="datetime1">
               <a:rPr kumimoji="1" lang="zh-TW" altLang="en-US" smtClean="0"/>
-              <a:t>2021/8/2</a:t>
+              <a:t>2021/8/26</a:t>
             </a:fld>
             <a:endParaRPr kumimoji="1" lang="zh-TW" altLang="en-US"/>
           </a:p>
@@ -3354,7 +3349,7 @@
           <a:p>
             <a:fld id="{A03E6B06-D2E0-604C-ACFB-F17F1614FB9E}" type="datetime1">
               <a:rPr kumimoji="1" lang="zh-TW" altLang="en-US" smtClean="0"/>
-              <a:t>2021/8/2</a:t>
+              <a:t>2021/8/26</a:t>
             </a:fld>
             <a:endParaRPr kumimoji="1" lang="zh-TW" altLang="en-US"/>
           </a:p>
@@ -3843,492 +3838,6 @@
 </p:sld>
 </file>
 
-<file path=ppt/slides/slide10.xml><?xml version="1.0" encoding="utf-8"?>
-<p:sld xmlns:a="http://schemas.openxmlformats.org/drawingml/2006/main" xmlns:r="http://schemas.openxmlformats.org/officeDocument/2006/relationships" xmlns:p="http://schemas.openxmlformats.org/presentationml/2006/main">
-  <p:cSld>
-    <p:spTree>
-      <p:nvGrpSpPr>
-        <p:cNvPr id="1" name=""/>
-        <p:cNvGrpSpPr/>
-        <p:nvPr/>
-      </p:nvGrpSpPr>
-      <p:grpSpPr>
-        <a:xfrm>
-          <a:off x="0" y="0"/>
-          <a:ext cx="0" cy="0"/>
-          <a:chOff x="0" y="0"/>
-          <a:chExt cx="0" cy="0"/>
-        </a:xfrm>
-      </p:grpSpPr>
-      <p:sp>
-        <p:nvSpPr>
-          <p:cNvPr id="2" name="標題 1">
-            <a:extLst>
-              <a:ext uri="{FF2B5EF4-FFF2-40B4-BE49-F238E27FC236}">
-                <a16:creationId xmlns:a16="http://schemas.microsoft.com/office/drawing/2014/main" id="{C3205B05-8557-ED47-ADA1-2F3089EE56ED}"/>
-              </a:ext>
-            </a:extLst>
-          </p:cNvPr>
-          <p:cNvSpPr>
-            <a:spLocks noGrp="1"/>
-          </p:cNvSpPr>
-          <p:nvPr>
-            <p:ph type="title"/>
-          </p:nvPr>
-        </p:nvSpPr>
-        <p:spPr/>
-        <p:txBody>
-          <a:bodyPr/>
-          <a:lstStyle/>
-          <a:p>
-            <a:endParaRPr kumimoji="1" lang="zh-TW" altLang="en-US"/>
-          </a:p>
-        </p:txBody>
-      </p:sp>
-      <p:sp>
-        <p:nvSpPr>
-          <p:cNvPr id="4" name="投影片編號版面配置區 3">
-            <a:extLst>
-              <a:ext uri="{FF2B5EF4-FFF2-40B4-BE49-F238E27FC236}">
-                <a16:creationId xmlns:a16="http://schemas.microsoft.com/office/drawing/2014/main" id="{60CC1160-4B4C-1240-9A1C-4B5F8AF3B12A}"/>
-              </a:ext>
-            </a:extLst>
-          </p:cNvPr>
-          <p:cNvSpPr>
-            <a:spLocks noGrp="1"/>
-          </p:cNvSpPr>
-          <p:nvPr>
-            <p:ph type="sldNum" sz="quarter" idx="12"/>
-          </p:nvPr>
-        </p:nvSpPr>
-        <p:spPr/>
-        <p:txBody>
-          <a:bodyPr/>
-          <a:lstStyle/>
-          <a:p>
-            <a:fld id="{783BE80A-BC3D-CF4B-B1C8-9CF300F4A34D}" type="slidenum">
-              <a:rPr kumimoji="1" lang="zh-TW" altLang="en-US" smtClean="0"/>
-              <a:t>9</a:t>
-            </a:fld>
-            <a:endParaRPr kumimoji="1" lang="zh-TW" altLang="en-US"/>
-          </a:p>
-        </p:txBody>
-      </p:sp>
-      <p:sp>
-        <p:nvSpPr>
-          <p:cNvPr id="5" name="圓角矩形 4">
-            <a:extLst>
-              <a:ext uri="{FF2B5EF4-FFF2-40B4-BE49-F238E27FC236}">
-                <a16:creationId xmlns:a16="http://schemas.microsoft.com/office/drawing/2014/main" id="{9BFC7B96-CE6E-5E4B-88BD-BA0288FBD197}"/>
-              </a:ext>
-            </a:extLst>
-          </p:cNvPr>
-          <p:cNvSpPr/>
-          <p:nvPr/>
-        </p:nvSpPr>
-        <p:spPr>
-          <a:xfrm>
-            <a:off x="1172095" y="2177935"/>
-            <a:ext cx="2585258" cy="1346662"/>
-          </a:xfrm>
-          <a:prstGeom prst="roundRect">
-            <a:avLst/>
-          </a:prstGeom>
-        </p:spPr>
-        <p:style>
-          <a:lnRef idx="2">
-            <a:schemeClr val="accent1">
-              <a:shade val="50000"/>
-            </a:schemeClr>
-          </a:lnRef>
-          <a:fillRef idx="1">
-            <a:schemeClr val="accent1"/>
-          </a:fillRef>
-          <a:effectRef idx="0">
-            <a:schemeClr val="accent1"/>
-          </a:effectRef>
-          <a:fontRef idx="minor">
-            <a:schemeClr val="lt1"/>
-          </a:fontRef>
-        </p:style>
-        <p:txBody>
-          <a:bodyPr rtlCol="0" anchor="ctr"/>
-          <a:lstStyle/>
-          <a:p>
-            <a:pPr algn="ctr"/>
-            <a:r>
-              <a:rPr kumimoji="1" lang="en-US" altLang="zh-TW" dirty="0"/>
-              <a:t>stage1</a:t>
-            </a:r>
-            <a:endParaRPr kumimoji="1" lang="zh-TW" altLang="en-US" dirty="0"/>
-          </a:p>
-        </p:txBody>
-      </p:sp>
-      <p:sp>
-        <p:nvSpPr>
-          <p:cNvPr id="6" name="圓角矩形 5">
-            <a:extLst>
-              <a:ext uri="{FF2B5EF4-FFF2-40B4-BE49-F238E27FC236}">
-                <a16:creationId xmlns:a16="http://schemas.microsoft.com/office/drawing/2014/main" id="{7DC95B33-6ED4-0A4F-B5AE-CFE2CA2D4148}"/>
-              </a:ext>
-            </a:extLst>
-          </p:cNvPr>
-          <p:cNvSpPr/>
-          <p:nvPr/>
-        </p:nvSpPr>
-        <p:spPr>
-          <a:xfrm>
-            <a:off x="1172095" y="4142509"/>
-            <a:ext cx="2585258" cy="1346662"/>
-          </a:xfrm>
-          <a:prstGeom prst="roundRect">
-            <a:avLst/>
-          </a:prstGeom>
-        </p:spPr>
-        <p:style>
-          <a:lnRef idx="2">
-            <a:schemeClr val="accent1">
-              <a:shade val="50000"/>
-            </a:schemeClr>
-          </a:lnRef>
-          <a:fillRef idx="1">
-            <a:schemeClr val="accent1"/>
-          </a:fillRef>
-          <a:effectRef idx="0">
-            <a:schemeClr val="accent1"/>
-          </a:effectRef>
-          <a:fontRef idx="minor">
-            <a:schemeClr val="lt1"/>
-          </a:fontRef>
-        </p:style>
-        <p:txBody>
-          <a:bodyPr rtlCol="0" anchor="ctr"/>
-          <a:lstStyle/>
-          <a:p>
-            <a:pPr algn="ctr"/>
-            <a:r>
-              <a:rPr kumimoji="1" lang="en-US" altLang="zh-TW" dirty="0"/>
-              <a:t>stage2</a:t>
-            </a:r>
-            <a:endParaRPr kumimoji="1" lang="zh-TW" altLang="en-US" dirty="0"/>
-          </a:p>
-        </p:txBody>
-      </p:sp>
-      <p:sp>
-        <p:nvSpPr>
-          <p:cNvPr id="7" name="圓角矩形 6">
-            <a:extLst>
-              <a:ext uri="{FF2B5EF4-FFF2-40B4-BE49-F238E27FC236}">
-                <a16:creationId xmlns:a16="http://schemas.microsoft.com/office/drawing/2014/main" id="{118AA3C0-D132-DC42-939B-D462F92BD5D8}"/>
-              </a:ext>
-            </a:extLst>
-          </p:cNvPr>
-          <p:cNvSpPr/>
-          <p:nvPr/>
-        </p:nvSpPr>
-        <p:spPr>
-          <a:xfrm>
-            <a:off x="7692044" y="3211484"/>
-            <a:ext cx="2585258" cy="1346662"/>
-          </a:xfrm>
-          <a:prstGeom prst="roundRect">
-            <a:avLst/>
-          </a:prstGeom>
-        </p:spPr>
-        <p:style>
-          <a:lnRef idx="2">
-            <a:schemeClr val="accent2">
-              <a:shade val="50000"/>
-            </a:schemeClr>
-          </a:lnRef>
-          <a:fillRef idx="1">
-            <a:schemeClr val="accent2"/>
-          </a:fillRef>
-          <a:effectRef idx="0">
-            <a:schemeClr val="accent2"/>
-          </a:effectRef>
-          <a:fontRef idx="minor">
-            <a:schemeClr val="lt1"/>
-          </a:fontRef>
-        </p:style>
-        <p:txBody>
-          <a:bodyPr rtlCol="0" anchor="ctr"/>
-          <a:lstStyle/>
-          <a:p>
-            <a:pPr algn="ctr"/>
-            <a:r>
-              <a:rPr kumimoji="1" lang="en-US" altLang="zh-TW" dirty="0"/>
-              <a:t>stage3</a:t>
-            </a:r>
-            <a:endParaRPr kumimoji="1" lang="zh-TW" altLang="en-US" dirty="0"/>
-          </a:p>
-        </p:txBody>
-      </p:sp>
-      <p:graphicFrame>
-        <p:nvGraphicFramePr>
-          <p:cNvPr id="3" name="表格 7">
-            <a:extLst>
-              <a:ext uri="{FF2B5EF4-FFF2-40B4-BE49-F238E27FC236}">
-                <a16:creationId xmlns:a16="http://schemas.microsoft.com/office/drawing/2014/main" id="{EF101546-D67D-9C42-BC6E-9CBCFF876746}"/>
-              </a:ext>
-            </a:extLst>
-          </p:cNvPr>
-          <p:cNvGraphicFramePr>
-            <a:graphicFrameLocks noGrp="1"/>
-          </p:cNvGraphicFramePr>
-          <p:nvPr>
-            <p:extLst>
-              <p:ext uri="{D42A27DB-BD31-4B8C-83A1-F6EECF244321}">
-                <p14:modId xmlns:p14="http://schemas.microsoft.com/office/powerpoint/2010/main" val="835479974"/>
-              </p:ext>
-            </p:extLst>
-          </p:nvPr>
-        </p:nvGraphicFramePr>
-        <p:xfrm>
-          <a:off x="3225800" y="2169622"/>
-          <a:ext cx="8128000" cy="1483360"/>
-        </p:xfrm>
-        <a:graphic>
-          <a:graphicData uri="http://schemas.openxmlformats.org/drawingml/2006/table">
-            <a:tbl>
-              <a:tblPr firstRow="1" bandRow="1">
-                <a:tableStyleId>{5C22544A-7EE6-4342-B048-85BDC9FD1C3A}</a:tableStyleId>
-              </a:tblPr>
-              <a:tblGrid>
-                <a:gridCol w="2032000">
-                  <a:extLst>
-                    <a:ext uri="{9D8B030D-6E8A-4147-A177-3AD203B41FA5}">
-                      <a16:colId xmlns:a16="http://schemas.microsoft.com/office/drawing/2014/main" val="2328600778"/>
-                    </a:ext>
-                  </a:extLst>
-                </a:gridCol>
-                <a:gridCol w="2032000">
-                  <a:extLst>
-                    <a:ext uri="{9D8B030D-6E8A-4147-A177-3AD203B41FA5}">
-                      <a16:colId xmlns:a16="http://schemas.microsoft.com/office/drawing/2014/main" val="1328601416"/>
-                    </a:ext>
-                  </a:extLst>
-                </a:gridCol>
-                <a:gridCol w="2032000">
-                  <a:extLst>
-                    <a:ext uri="{9D8B030D-6E8A-4147-A177-3AD203B41FA5}">
-                      <a16:colId xmlns:a16="http://schemas.microsoft.com/office/drawing/2014/main" val="2434155178"/>
-                    </a:ext>
-                  </a:extLst>
-                </a:gridCol>
-                <a:gridCol w="2032000">
-                  <a:extLst>
-                    <a:ext uri="{9D8B030D-6E8A-4147-A177-3AD203B41FA5}">
-                      <a16:colId xmlns:a16="http://schemas.microsoft.com/office/drawing/2014/main" val="437621543"/>
-                    </a:ext>
-                  </a:extLst>
-                </a:gridCol>
-              </a:tblGrid>
-              <a:tr h="370840">
-                <a:tc>
-                  <a:txBody>
-                    <a:bodyPr/>
-                    <a:lstStyle/>
-                    <a:p>
-                      <a:endParaRPr lang="zh-TW" altLang="en-US"/>
-                    </a:p>
-                  </a:txBody>
-                  <a:tcPr/>
-                </a:tc>
-                <a:tc>
-                  <a:txBody>
-                    <a:bodyPr/>
-                    <a:lstStyle/>
-                    <a:p>
-                      <a:endParaRPr lang="zh-TW" altLang="en-US"/>
-                    </a:p>
-                  </a:txBody>
-                  <a:tcPr/>
-                </a:tc>
-                <a:tc>
-                  <a:txBody>
-                    <a:bodyPr/>
-                    <a:lstStyle/>
-                    <a:p>
-                      <a:endParaRPr lang="zh-TW" altLang="en-US"/>
-                    </a:p>
-                  </a:txBody>
-                  <a:tcPr/>
-                </a:tc>
-                <a:tc>
-                  <a:txBody>
-                    <a:bodyPr/>
-                    <a:lstStyle/>
-                    <a:p>
-                      <a:endParaRPr lang="zh-TW" altLang="en-US"/>
-                    </a:p>
-                  </a:txBody>
-                  <a:tcPr/>
-                </a:tc>
-                <a:extLst>
-                  <a:ext uri="{0D108BD9-81ED-4DB2-BD59-A6C34878D82A}">
-                    <a16:rowId xmlns:a16="http://schemas.microsoft.com/office/drawing/2014/main" val="940286335"/>
-                  </a:ext>
-                </a:extLst>
-              </a:tr>
-              <a:tr h="370840">
-                <a:tc>
-                  <a:txBody>
-                    <a:bodyPr/>
-                    <a:lstStyle/>
-                    <a:p>
-                      <a:endParaRPr lang="zh-TW" altLang="en-US" dirty="0"/>
-                    </a:p>
-                  </a:txBody>
-                  <a:tcPr/>
-                </a:tc>
-                <a:tc>
-                  <a:txBody>
-                    <a:bodyPr/>
-                    <a:lstStyle/>
-                    <a:p>
-                      <a:endParaRPr lang="zh-TW" altLang="en-US" dirty="0"/>
-                    </a:p>
-                  </a:txBody>
-                  <a:tcPr/>
-                </a:tc>
-                <a:tc>
-                  <a:txBody>
-                    <a:bodyPr/>
-                    <a:lstStyle/>
-                    <a:p>
-                      <a:endParaRPr lang="zh-TW" altLang="en-US" dirty="0"/>
-                    </a:p>
-                  </a:txBody>
-                  <a:tcPr/>
-                </a:tc>
-                <a:tc>
-                  <a:txBody>
-                    <a:bodyPr/>
-                    <a:lstStyle/>
-                    <a:p>
-                      <a:endParaRPr lang="zh-TW" altLang="en-US" dirty="0"/>
-                    </a:p>
-                  </a:txBody>
-                  <a:tcPr/>
-                </a:tc>
-                <a:extLst>
-                  <a:ext uri="{0D108BD9-81ED-4DB2-BD59-A6C34878D82A}">
-                    <a16:rowId xmlns:a16="http://schemas.microsoft.com/office/drawing/2014/main" val="3367435288"/>
-                  </a:ext>
-                </a:extLst>
-              </a:tr>
-              <a:tr h="370840">
-                <a:tc>
-                  <a:txBody>
-                    <a:bodyPr/>
-                    <a:lstStyle/>
-                    <a:p>
-                      <a:endParaRPr lang="zh-TW" altLang="en-US"/>
-                    </a:p>
-                  </a:txBody>
-                  <a:tcPr/>
-                </a:tc>
-                <a:tc>
-                  <a:txBody>
-                    <a:bodyPr/>
-                    <a:lstStyle/>
-                    <a:p>
-                      <a:endParaRPr lang="zh-TW" altLang="en-US"/>
-                    </a:p>
-                  </a:txBody>
-                  <a:tcPr/>
-                </a:tc>
-                <a:tc>
-                  <a:txBody>
-                    <a:bodyPr/>
-                    <a:lstStyle/>
-                    <a:p>
-                      <a:endParaRPr lang="zh-TW" altLang="en-US"/>
-                    </a:p>
-                  </a:txBody>
-                  <a:tcPr/>
-                </a:tc>
-                <a:tc>
-                  <a:txBody>
-                    <a:bodyPr/>
-                    <a:lstStyle/>
-                    <a:p>
-                      <a:endParaRPr lang="zh-TW" altLang="en-US"/>
-                    </a:p>
-                  </a:txBody>
-                  <a:tcPr/>
-                </a:tc>
-                <a:extLst>
-                  <a:ext uri="{0D108BD9-81ED-4DB2-BD59-A6C34878D82A}">
-                    <a16:rowId xmlns:a16="http://schemas.microsoft.com/office/drawing/2014/main" val="984694756"/>
-                  </a:ext>
-                </a:extLst>
-              </a:tr>
-              <a:tr h="370840">
-                <a:tc>
-                  <a:txBody>
-                    <a:bodyPr/>
-                    <a:lstStyle/>
-                    <a:p>
-                      <a:endParaRPr lang="zh-TW" altLang="en-US"/>
-                    </a:p>
-                  </a:txBody>
-                  <a:tcPr/>
-                </a:tc>
-                <a:tc>
-                  <a:txBody>
-                    <a:bodyPr/>
-                    <a:lstStyle/>
-                    <a:p>
-                      <a:endParaRPr lang="zh-TW" altLang="en-US"/>
-                    </a:p>
-                  </a:txBody>
-                  <a:tcPr/>
-                </a:tc>
-                <a:tc>
-                  <a:txBody>
-                    <a:bodyPr/>
-                    <a:lstStyle/>
-                    <a:p>
-                      <a:endParaRPr lang="zh-TW" altLang="en-US"/>
-                    </a:p>
-                  </a:txBody>
-                  <a:tcPr/>
-                </a:tc>
-                <a:tc>
-                  <a:txBody>
-                    <a:bodyPr/>
-                    <a:lstStyle/>
-                    <a:p>
-                      <a:endParaRPr lang="zh-TW" altLang="en-US" dirty="0"/>
-                    </a:p>
-                  </a:txBody>
-                  <a:tcPr/>
-                </a:tc>
-                <a:extLst>
-                  <a:ext uri="{0D108BD9-81ED-4DB2-BD59-A6C34878D82A}">
-                    <a16:rowId xmlns:a16="http://schemas.microsoft.com/office/drawing/2014/main" val="1713188017"/>
-                  </a:ext>
-                </a:extLst>
-              </a:tr>
-            </a:tbl>
-          </a:graphicData>
-        </a:graphic>
-      </p:graphicFrame>
-    </p:spTree>
-    <p:extLst>
-      <p:ext uri="{BB962C8B-B14F-4D97-AF65-F5344CB8AC3E}">
-        <p14:creationId xmlns:p14="http://schemas.microsoft.com/office/powerpoint/2010/main" val="1741008117"/>
-      </p:ext>
-    </p:extLst>
-  </p:cSld>
-  <p:clrMapOvr>
-    <a:masterClrMapping/>
-  </p:clrMapOvr>
-</p:sld>
-</file>
-
 <file path=ppt/slides/slide2.xml><?xml version="1.0" encoding="utf-8"?>
 <p:sld xmlns:a="http://schemas.openxmlformats.org/drawingml/2006/main" xmlns:r="http://schemas.openxmlformats.org/officeDocument/2006/relationships" xmlns:p="http://schemas.openxmlformats.org/presentationml/2006/main">
   <p:cSld>
@@ -6565,1511 +6074,6 @@
     <p:extLst>
       <p:ext uri="{BB962C8B-B14F-4D97-AF65-F5344CB8AC3E}">
         <p14:creationId xmlns:p14="http://schemas.microsoft.com/office/powerpoint/2010/main" val="842316913"/>
-      </p:ext>
-    </p:extLst>
-  </p:cSld>
-  <p:clrMapOvr>
-    <a:masterClrMapping/>
-  </p:clrMapOvr>
-</p:sld>
-</file>
-
-<file path=ppt/slides/slide6.xml><?xml version="1.0" encoding="utf-8"?>
-<p:sld xmlns:a="http://schemas.openxmlformats.org/drawingml/2006/main" xmlns:r="http://schemas.openxmlformats.org/officeDocument/2006/relationships" xmlns:p="http://schemas.openxmlformats.org/presentationml/2006/main">
-  <p:cSld>
-    <p:spTree>
-      <p:nvGrpSpPr>
-        <p:cNvPr id="1" name=""/>
-        <p:cNvGrpSpPr/>
-        <p:nvPr/>
-      </p:nvGrpSpPr>
-      <p:grpSpPr>
-        <a:xfrm>
-          <a:off x="0" y="0"/>
-          <a:ext cx="0" cy="0"/>
-          <a:chOff x="0" y="0"/>
-          <a:chExt cx="0" cy="0"/>
-        </a:xfrm>
-      </p:grpSpPr>
-      <p:sp>
-        <p:nvSpPr>
-          <p:cNvPr id="2" name="標題 1">
-            <a:extLst>
-              <a:ext uri="{FF2B5EF4-FFF2-40B4-BE49-F238E27FC236}">
-                <a16:creationId xmlns:a16="http://schemas.microsoft.com/office/drawing/2014/main" id="{08C64CA6-9156-A045-978C-30EEECDEA4AD}"/>
-              </a:ext>
-            </a:extLst>
-          </p:cNvPr>
-          <p:cNvSpPr>
-            <a:spLocks noGrp="1"/>
-          </p:cNvSpPr>
-          <p:nvPr>
-            <p:ph type="title"/>
-          </p:nvPr>
-        </p:nvSpPr>
-        <p:spPr/>
-        <p:txBody>
-          <a:bodyPr/>
-          <a:lstStyle/>
-          <a:p>
-            <a:endParaRPr kumimoji="1" lang="zh-TW" altLang="en-US"/>
-          </a:p>
-        </p:txBody>
-      </p:sp>
-      <p:sp>
-        <p:nvSpPr>
-          <p:cNvPr id="4" name="投影片編號版面配置區 3">
-            <a:extLst>
-              <a:ext uri="{FF2B5EF4-FFF2-40B4-BE49-F238E27FC236}">
-                <a16:creationId xmlns:a16="http://schemas.microsoft.com/office/drawing/2014/main" id="{A402CF12-5D9B-1449-8230-65E33537B40F}"/>
-              </a:ext>
-            </a:extLst>
-          </p:cNvPr>
-          <p:cNvSpPr>
-            <a:spLocks noGrp="1"/>
-          </p:cNvSpPr>
-          <p:nvPr>
-            <p:ph type="sldNum" sz="quarter" idx="12"/>
-          </p:nvPr>
-        </p:nvSpPr>
-        <p:spPr/>
-        <p:txBody>
-          <a:bodyPr/>
-          <a:lstStyle/>
-          <a:p>
-            <a:fld id="{783BE80A-BC3D-CF4B-B1C8-9CF300F4A34D}" type="slidenum">
-              <a:rPr kumimoji="1" lang="zh-TW" altLang="en-US" smtClean="0"/>
-              <a:t>5</a:t>
-            </a:fld>
-            <a:endParaRPr kumimoji="1" lang="zh-TW" altLang="en-US"/>
-          </a:p>
-        </p:txBody>
-      </p:sp>
-      <p:sp>
-        <p:nvSpPr>
-          <p:cNvPr id="5" name="圓角矩形 4">
-            <a:extLst>
-              <a:ext uri="{FF2B5EF4-FFF2-40B4-BE49-F238E27FC236}">
-                <a16:creationId xmlns:a16="http://schemas.microsoft.com/office/drawing/2014/main" id="{13C218DC-F5FF-3741-917C-77FFC18B2D36}"/>
-              </a:ext>
-            </a:extLst>
-          </p:cNvPr>
-          <p:cNvSpPr/>
-          <p:nvPr/>
-        </p:nvSpPr>
-        <p:spPr>
-          <a:xfrm>
-            <a:off x="1097280" y="2186247"/>
-            <a:ext cx="1512916" cy="648393"/>
-          </a:xfrm>
-          <a:prstGeom prst="roundRect">
-            <a:avLst/>
-          </a:prstGeom>
-        </p:spPr>
-        <p:style>
-          <a:lnRef idx="2">
-            <a:schemeClr val="accent1">
-              <a:shade val="50000"/>
-            </a:schemeClr>
-          </a:lnRef>
-          <a:fillRef idx="1">
-            <a:schemeClr val="accent1"/>
-          </a:fillRef>
-          <a:effectRef idx="0">
-            <a:schemeClr val="accent1"/>
-          </a:effectRef>
-          <a:fontRef idx="minor">
-            <a:schemeClr val="lt1"/>
-          </a:fontRef>
-        </p:style>
-        <p:txBody>
-          <a:bodyPr rtlCol="0" anchor="ctr"/>
-          <a:lstStyle/>
-          <a:p>
-            <a:pPr algn="ctr"/>
-            <a:r>
-              <a:rPr kumimoji="1" lang="zh-TW" altLang="en-US" dirty="0"/>
-              <a:t>難點</a:t>
-            </a:r>
-            <a:r>
-              <a:rPr kumimoji="1" lang="en-US" altLang="zh-TW" dirty="0"/>
-              <a:t>1</a:t>
-            </a:r>
-            <a:endParaRPr kumimoji="1" lang="zh-TW" altLang="en-US" dirty="0"/>
-          </a:p>
-        </p:txBody>
-      </p:sp>
-      <p:sp>
-        <p:nvSpPr>
-          <p:cNvPr id="6" name="圓角矩形 5">
-            <a:extLst>
-              <a:ext uri="{FF2B5EF4-FFF2-40B4-BE49-F238E27FC236}">
-                <a16:creationId xmlns:a16="http://schemas.microsoft.com/office/drawing/2014/main" id="{092AE9FD-AE14-3842-9233-AC425B3D1A7E}"/>
-              </a:ext>
-            </a:extLst>
-          </p:cNvPr>
-          <p:cNvSpPr/>
-          <p:nvPr/>
-        </p:nvSpPr>
-        <p:spPr>
-          <a:xfrm>
-            <a:off x="3477491" y="2186246"/>
-            <a:ext cx="1512916" cy="648393"/>
-          </a:xfrm>
-          <a:prstGeom prst="roundRect">
-            <a:avLst/>
-          </a:prstGeom>
-        </p:spPr>
-        <p:style>
-          <a:lnRef idx="2">
-            <a:schemeClr val="accent2">
-              <a:shade val="50000"/>
-            </a:schemeClr>
-          </a:lnRef>
-          <a:fillRef idx="1">
-            <a:schemeClr val="accent2"/>
-          </a:fillRef>
-          <a:effectRef idx="0">
-            <a:schemeClr val="accent2"/>
-          </a:effectRef>
-          <a:fontRef idx="minor">
-            <a:schemeClr val="lt1"/>
-          </a:fontRef>
-        </p:style>
-        <p:txBody>
-          <a:bodyPr rtlCol="0" anchor="ctr"/>
-          <a:lstStyle/>
-          <a:p>
-            <a:pPr algn="ctr"/>
-            <a:r>
-              <a:rPr kumimoji="1" lang="zh-TW" altLang="en-US" dirty="0"/>
-              <a:t>技術創新</a:t>
-            </a:r>
-            <a:r>
-              <a:rPr kumimoji="1" lang="en-US" altLang="zh-TW" dirty="0"/>
-              <a:t>1</a:t>
-            </a:r>
-          </a:p>
-        </p:txBody>
-      </p:sp>
-      <p:sp>
-        <p:nvSpPr>
-          <p:cNvPr id="7" name="向右箭號 6">
-            <a:extLst>
-              <a:ext uri="{FF2B5EF4-FFF2-40B4-BE49-F238E27FC236}">
-                <a16:creationId xmlns:a16="http://schemas.microsoft.com/office/drawing/2014/main" id="{1F6C2968-94B7-484C-AEF9-32D75215BF57}"/>
-              </a:ext>
-            </a:extLst>
-          </p:cNvPr>
-          <p:cNvSpPr/>
-          <p:nvPr/>
-        </p:nvSpPr>
-        <p:spPr>
-          <a:xfrm>
-            <a:off x="2748741" y="2419001"/>
-            <a:ext cx="590204" cy="182882"/>
-          </a:xfrm>
-          <a:prstGeom prst="rightArrow">
-            <a:avLst/>
-          </a:prstGeom>
-        </p:spPr>
-        <p:style>
-          <a:lnRef idx="2">
-            <a:schemeClr val="accent1">
-              <a:shade val="50000"/>
-            </a:schemeClr>
-          </a:lnRef>
-          <a:fillRef idx="1">
-            <a:schemeClr val="accent1"/>
-          </a:fillRef>
-          <a:effectRef idx="0">
-            <a:schemeClr val="accent1"/>
-          </a:effectRef>
-          <a:fontRef idx="minor">
-            <a:schemeClr val="lt1"/>
-          </a:fontRef>
-        </p:style>
-        <p:txBody>
-          <a:bodyPr rtlCol="0" anchor="ctr"/>
-          <a:lstStyle/>
-          <a:p>
-            <a:pPr algn="ctr"/>
-            <a:endParaRPr kumimoji="1" lang="zh-TW" altLang="en-US"/>
-          </a:p>
-        </p:txBody>
-      </p:sp>
-      <p:sp>
-        <p:nvSpPr>
-          <p:cNvPr id="8" name="圓角矩形 7">
-            <a:extLst>
-              <a:ext uri="{FF2B5EF4-FFF2-40B4-BE49-F238E27FC236}">
-                <a16:creationId xmlns:a16="http://schemas.microsoft.com/office/drawing/2014/main" id="{7171102B-FE03-C74A-86C9-07D5C301EF33}"/>
-              </a:ext>
-            </a:extLst>
-          </p:cNvPr>
-          <p:cNvSpPr/>
-          <p:nvPr/>
-        </p:nvSpPr>
-        <p:spPr>
-          <a:xfrm>
-            <a:off x="1097280" y="3050930"/>
-            <a:ext cx="1512916" cy="648393"/>
-          </a:xfrm>
-          <a:prstGeom prst="roundRect">
-            <a:avLst/>
-          </a:prstGeom>
-        </p:spPr>
-        <p:style>
-          <a:lnRef idx="2">
-            <a:schemeClr val="accent1">
-              <a:shade val="50000"/>
-            </a:schemeClr>
-          </a:lnRef>
-          <a:fillRef idx="1">
-            <a:schemeClr val="accent1"/>
-          </a:fillRef>
-          <a:effectRef idx="0">
-            <a:schemeClr val="accent1"/>
-          </a:effectRef>
-          <a:fontRef idx="minor">
-            <a:schemeClr val="lt1"/>
-          </a:fontRef>
-        </p:style>
-        <p:txBody>
-          <a:bodyPr rtlCol="0" anchor="ctr"/>
-          <a:lstStyle/>
-          <a:p>
-            <a:pPr algn="ctr"/>
-            <a:r>
-              <a:rPr kumimoji="1" lang="zh-TW" altLang="en-US" dirty="0"/>
-              <a:t>難點</a:t>
-            </a:r>
-            <a:r>
-              <a:rPr kumimoji="1" lang="en-US" altLang="zh-TW" dirty="0"/>
-              <a:t>2</a:t>
-            </a:r>
-            <a:endParaRPr kumimoji="1" lang="zh-TW" altLang="en-US" dirty="0"/>
-          </a:p>
-        </p:txBody>
-      </p:sp>
-      <p:sp>
-        <p:nvSpPr>
-          <p:cNvPr id="9" name="圓角矩形 8">
-            <a:extLst>
-              <a:ext uri="{FF2B5EF4-FFF2-40B4-BE49-F238E27FC236}">
-                <a16:creationId xmlns:a16="http://schemas.microsoft.com/office/drawing/2014/main" id="{860B9F4C-8696-814B-BBDD-40AAF6E968AD}"/>
-              </a:ext>
-            </a:extLst>
-          </p:cNvPr>
-          <p:cNvSpPr/>
-          <p:nvPr/>
-        </p:nvSpPr>
-        <p:spPr>
-          <a:xfrm>
-            <a:off x="3477491" y="3050929"/>
-            <a:ext cx="1512916" cy="648393"/>
-          </a:xfrm>
-          <a:prstGeom prst="roundRect">
-            <a:avLst/>
-          </a:prstGeom>
-        </p:spPr>
-        <p:style>
-          <a:lnRef idx="2">
-            <a:schemeClr val="accent2">
-              <a:shade val="50000"/>
-            </a:schemeClr>
-          </a:lnRef>
-          <a:fillRef idx="1">
-            <a:schemeClr val="accent2"/>
-          </a:fillRef>
-          <a:effectRef idx="0">
-            <a:schemeClr val="accent2"/>
-          </a:effectRef>
-          <a:fontRef idx="minor">
-            <a:schemeClr val="lt1"/>
-          </a:fontRef>
-        </p:style>
-        <p:txBody>
-          <a:bodyPr rtlCol="0" anchor="ctr"/>
-          <a:lstStyle/>
-          <a:p>
-            <a:pPr algn="ctr"/>
-            <a:r>
-              <a:rPr kumimoji="1" lang="zh-TW" altLang="en-US" dirty="0"/>
-              <a:t>技術創新</a:t>
-            </a:r>
-            <a:r>
-              <a:rPr kumimoji="1" lang="en-US" altLang="zh-TW" dirty="0"/>
-              <a:t>2</a:t>
-            </a:r>
-          </a:p>
-        </p:txBody>
-      </p:sp>
-      <p:sp>
-        <p:nvSpPr>
-          <p:cNvPr id="10" name="向右箭號 9">
-            <a:extLst>
-              <a:ext uri="{FF2B5EF4-FFF2-40B4-BE49-F238E27FC236}">
-                <a16:creationId xmlns:a16="http://schemas.microsoft.com/office/drawing/2014/main" id="{27C78089-967C-2449-9BA2-31F4701379E3}"/>
-              </a:ext>
-            </a:extLst>
-          </p:cNvPr>
-          <p:cNvSpPr/>
-          <p:nvPr/>
-        </p:nvSpPr>
-        <p:spPr>
-          <a:xfrm>
-            <a:off x="2748741" y="3283684"/>
-            <a:ext cx="590204" cy="182882"/>
-          </a:xfrm>
-          <a:prstGeom prst="rightArrow">
-            <a:avLst/>
-          </a:prstGeom>
-        </p:spPr>
-        <p:style>
-          <a:lnRef idx="2">
-            <a:schemeClr val="accent1">
-              <a:shade val="50000"/>
-            </a:schemeClr>
-          </a:lnRef>
-          <a:fillRef idx="1">
-            <a:schemeClr val="accent1"/>
-          </a:fillRef>
-          <a:effectRef idx="0">
-            <a:schemeClr val="accent1"/>
-          </a:effectRef>
-          <a:fontRef idx="minor">
-            <a:schemeClr val="lt1"/>
-          </a:fontRef>
-        </p:style>
-        <p:txBody>
-          <a:bodyPr rtlCol="0" anchor="ctr"/>
-          <a:lstStyle/>
-          <a:p>
-            <a:pPr algn="ctr"/>
-            <a:endParaRPr kumimoji="1" lang="zh-TW" altLang="en-US"/>
-          </a:p>
-        </p:txBody>
-      </p:sp>
-      <p:sp>
-        <p:nvSpPr>
-          <p:cNvPr id="11" name="圓角矩形 10">
-            <a:extLst>
-              <a:ext uri="{FF2B5EF4-FFF2-40B4-BE49-F238E27FC236}">
-                <a16:creationId xmlns:a16="http://schemas.microsoft.com/office/drawing/2014/main" id="{0F4E66C3-71E4-2341-A9DE-BCF903989131}"/>
-              </a:ext>
-            </a:extLst>
-          </p:cNvPr>
-          <p:cNvSpPr/>
-          <p:nvPr/>
-        </p:nvSpPr>
-        <p:spPr>
-          <a:xfrm>
-            <a:off x="1097280" y="3915613"/>
-            <a:ext cx="1512916" cy="648393"/>
-          </a:xfrm>
-          <a:prstGeom prst="roundRect">
-            <a:avLst/>
-          </a:prstGeom>
-        </p:spPr>
-        <p:style>
-          <a:lnRef idx="2">
-            <a:schemeClr val="accent1">
-              <a:shade val="50000"/>
-            </a:schemeClr>
-          </a:lnRef>
-          <a:fillRef idx="1">
-            <a:schemeClr val="accent1"/>
-          </a:fillRef>
-          <a:effectRef idx="0">
-            <a:schemeClr val="accent1"/>
-          </a:effectRef>
-          <a:fontRef idx="minor">
-            <a:schemeClr val="lt1"/>
-          </a:fontRef>
-        </p:style>
-        <p:txBody>
-          <a:bodyPr rtlCol="0" anchor="ctr"/>
-          <a:lstStyle/>
-          <a:p>
-            <a:pPr algn="ctr"/>
-            <a:r>
-              <a:rPr kumimoji="1" lang="zh-TW" altLang="en-US" dirty="0"/>
-              <a:t>難點</a:t>
-            </a:r>
-            <a:r>
-              <a:rPr kumimoji="1" lang="en-US" altLang="zh-TW" dirty="0"/>
-              <a:t>3</a:t>
-            </a:r>
-            <a:endParaRPr kumimoji="1" lang="zh-TW" altLang="en-US" dirty="0"/>
-          </a:p>
-        </p:txBody>
-      </p:sp>
-      <p:sp>
-        <p:nvSpPr>
-          <p:cNvPr id="12" name="圓角矩形 11">
-            <a:extLst>
-              <a:ext uri="{FF2B5EF4-FFF2-40B4-BE49-F238E27FC236}">
-                <a16:creationId xmlns:a16="http://schemas.microsoft.com/office/drawing/2014/main" id="{6BE35A6C-CBDE-FF4C-9784-43133608E773}"/>
-              </a:ext>
-            </a:extLst>
-          </p:cNvPr>
-          <p:cNvSpPr/>
-          <p:nvPr/>
-        </p:nvSpPr>
-        <p:spPr>
-          <a:xfrm>
-            <a:off x="3477491" y="3915612"/>
-            <a:ext cx="1512916" cy="648393"/>
-          </a:xfrm>
-          <a:prstGeom prst="roundRect">
-            <a:avLst/>
-          </a:prstGeom>
-        </p:spPr>
-        <p:style>
-          <a:lnRef idx="2">
-            <a:schemeClr val="accent2">
-              <a:shade val="50000"/>
-            </a:schemeClr>
-          </a:lnRef>
-          <a:fillRef idx="1">
-            <a:schemeClr val="accent2"/>
-          </a:fillRef>
-          <a:effectRef idx="0">
-            <a:schemeClr val="accent2"/>
-          </a:effectRef>
-          <a:fontRef idx="minor">
-            <a:schemeClr val="lt1"/>
-          </a:fontRef>
-        </p:style>
-        <p:txBody>
-          <a:bodyPr rtlCol="0" anchor="ctr"/>
-          <a:lstStyle/>
-          <a:p>
-            <a:pPr algn="ctr"/>
-            <a:r>
-              <a:rPr kumimoji="1" lang="zh-TW" altLang="en-US" dirty="0"/>
-              <a:t>技術創新</a:t>
-            </a:r>
-            <a:r>
-              <a:rPr kumimoji="1" lang="en-US" altLang="zh-TW" dirty="0"/>
-              <a:t>3</a:t>
-            </a:r>
-          </a:p>
-        </p:txBody>
-      </p:sp>
-      <p:sp>
-        <p:nvSpPr>
-          <p:cNvPr id="13" name="向右箭號 12">
-            <a:extLst>
-              <a:ext uri="{FF2B5EF4-FFF2-40B4-BE49-F238E27FC236}">
-                <a16:creationId xmlns:a16="http://schemas.microsoft.com/office/drawing/2014/main" id="{ED6907E0-333E-5744-847E-C6D824588ECC}"/>
-              </a:ext>
-            </a:extLst>
-          </p:cNvPr>
-          <p:cNvSpPr/>
-          <p:nvPr/>
-        </p:nvSpPr>
-        <p:spPr>
-          <a:xfrm>
-            <a:off x="2748741" y="4148367"/>
-            <a:ext cx="590204" cy="182882"/>
-          </a:xfrm>
-          <a:prstGeom prst="rightArrow">
-            <a:avLst/>
-          </a:prstGeom>
-        </p:spPr>
-        <p:style>
-          <a:lnRef idx="2">
-            <a:schemeClr val="accent1">
-              <a:shade val="50000"/>
-            </a:schemeClr>
-          </a:lnRef>
-          <a:fillRef idx="1">
-            <a:schemeClr val="accent1"/>
-          </a:fillRef>
-          <a:effectRef idx="0">
-            <a:schemeClr val="accent1"/>
-          </a:effectRef>
-          <a:fontRef idx="minor">
-            <a:schemeClr val="lt1"/>
-          </a:fontRef>
-        </p:style>
-        <p:txBody>
-          <a:bodyPr rtlCol="0" anchor="ctr"/>
-          <a:lstStyle/>
-          <a:p>
-            <a:pPr algn="ctr"/>
-            <a:endParaRPr kumimoji="1" lang="zh-TW" altLang="en-US"/>
-          </a:p>
-        </p:txBody>
-      </p:sp>
-      <p:sp>
-        <p:nvSpPr>
-          <p:cNvPr id="14" name="圓角矩形 13">
-            <a:extLst>
-              <a:ext uri="{FF2B5EF4-FFF2-40B4-BE49-F238E27FC236}">
-                <a16:creationId xmlns:a16="http://schemas.microsoft.com/office/drawing/2014/main" id="{DC2D8CC2-B171-B647-B070-6CE7E043DEE7}"/>
-              </a:ext>
-            </a:extLst>
-          </p:cNvPr>
-          <p:cNvSpPr/>
-          <p:nvPr/>
-        </p:nvSpPr>
-        <p:spPr>
-          <a:xfrm>
-            <a:off x="1097280" y="4780296"/>
-            <a:ext cx="1512916" cy="648393"/>
-          </a:xfrm>
-          <a:prstGeom prst="roundRect">
-            <a:avLst/>
-          </a:prstGeom>
-        </p:spPr>
-        <p:style>
-          <a:lnRef idx="2">
-            <a:schemeClr val="accent1">
-              <a:shade val="50000"/>
-            </a:schemeClr>
-          </a:lnRef>
-          <a:fillRef idx="1">
-            <a:schemeClr val="accent1"/>
-          </a:fillRef>
-          <a:effectRef idx="0">
-            <a:schemeClr val="accent1"/>
-          </a:effectRef>
-          <a:fontRef idx="minor">
-            <a:schemeClr val="lt1"/>
-          </a:fontRef>
-        </p:style>
-        <p:txBody>
-          <a:bodyPr rtlCol="0" anchor="ctr"/>
-          <a:lstStyle/>
-          <a:p>
-            <a:pPr algn="ctr"/>
-            <a:r>
-              <a:rPr kumimoji="1" lang="zh-TW" altLang="en-US" dirty="0"/>
-              <a:t>難點</a:t>
-            </a:r>
-            <a:r>
-              <a:rPr kumimoji="1" lang="en-US" altLang="zh-TW" dirty="0"/>
-              <a:t>4</a:t>
-            </a:r>
-            <a:endParaRPr kumimoji="1" lang="zh-TW" altLang="en-US" dirty="0"/>
-          </a:p>
-        </p:txBody>
-      </p:sp>
-      <p:sp>
-        <p:nvSpPr>
-          <p:cNvPr id="15" name="圓角矩形 14">
-            <a:extLst>
-              <a:ext uri="{FF2B5EF4-FFF2-40B4-BE49-F238E27FC236}">
-                <a16:creationId xmlns:a16="http://schemas.microsoft.com/office/drawing/2014/main" id="{CE40DAE2-2D8A-0547-8DF4-FCB5624BE3BD}"/>
-              </a:ext>
-            </a:extLst>
-          </p:cNvPr>
-          <p:cNvSpPr/>
-          <p:nvPr/>
-        </p:nvSpPr>
-        <p:spPr>
-          <a:xfrm>
-            <a:off x="3477491" y="4780295"/>
-            <a:ext cx="1512916" cy="648393"/>
-          </a:xfrm>
-          <a:prstGeom prst="roundRect">
-            <a:avLst/>
-          </a:prstGeom>
-        </p:spPr>
-        <p:style>
-          <a:lnRef idx="2">
-            <a:schemeClr val="accent2">
-              <a:shade val="50000"/>
-            </a:schemeClr>
-          </a:lnRef>
-          <a:fillRef idx="1">
-            <a:schemeClr val="accent2"/>
-          </a:fillRef>
-          <a:effectRef idx="0">
-            <a:schemeClr val="accent2"/>
-          </a:effectRef>
-          <a:fontRef idx="minor">
-            <a:schemeClr val="lt1"/>
-          </a:fontRef>
-        </p:style>
-        <p:txBody>
-          <a:bodyPr rtlCol="0" anchor="ctr"/>
-          <a:lstStyle/>
-          <a:p>
-            <a:pPr algn="ctr"/>
-            <a:r>
-              <a:rPr kumimoji="1" lang="zh-TW" altLang="en-US" dirty="0"/>
-              <a:t>技術創新</a:t>
-            </a:r>
-            <a:r>
-              <a:rPr kumimoji="1" lang="en-US" altLang="zh-TW" dirty="0"/>
-              <a:t>4</a:t>
-            </a:r>
-          </a:p>
-        </p:txBody>
-      </p:sp>
-      <p:sp>
-        <p:nvSpPr>
-          <p:cNvPr id="16" name="向右箭號 15">
-            <a:extLst>
-              <a:ext uri="{FF2B5EF4-FFF2-40B4-BE49-F238E27FC236}">
-                <a16:creationId xmlns:a16="http://schemas.microsoft.com/office/drawing/2014/main" id="{37C15979-E3B9-3A41-A0A3-FB0EEF12A692}"/>
-              </a:ext>
-            </a:extLst>
-          </p:cNvPr>
-          <p:cNvSpPr/>
-          <p:nvPr/>
-        </p:nvSpPr>
-        <p:spPr>
-          <a:xfrm>
-            <a:off x="2748741" y="5013050"/>
-            <a:ext cx="590204" cy="182882"/>
-          </a:xfrm>
-          <a:prstGeom prst="rightArrow">
-            <a:avLst/>
-          </a:prstGeom>
-        </p:spPr>
-        <p:style>
-          <a:lnRef idx="2">
-            <a:schemeClr val="accent1">
-              <a:shade val="50000"/>
-            </a:schemeClr>
-          </a:lnRef>
-          <a:fillRef idx="1">
-            <a:schemeClr val="accent1"/>
-          </a:fillRef>
-          <a:effectRef idx="0">
-            <a:schemeClr val="accent1"/>
-          </a:effectRef>
-          <a:fontRef idx="minor">
-            <a:schemeClr val="lt1"/>
-          </a:fontRef>
-        </p:style>
-        <p:txBody>
-          <a:bodyPr rtlCol="0" anchor="ctr"/>
-          <a:lstStyle/>
-          <a:p>
-            <a:pPr algn="ctr"/>
-            <a:endParaRPr kumimoji="1" lang="zh-TW" altLang="en-US"/>
-          </a:p>
-        </p:txBody>
-      </p:sp>
-      <p:sp>
-        <p:nvSpPr>
-          <p:cNvPr id="20" name="圓角矩形 19">
-            <a:extLst>
-              <a:ext uri="{FF2B5EF4-FFF2-40B4-BE49-F238E27FC236}">
-                <a16:creationId xmlns:a16="http://schemas.microsoft.com/office/drawing/2014/main" id="{7ECFDCD7-D610-584C-9451-12622DD75EF0}"/>
-              </a:ext>
-            </a:extLst>
-          </p:cNvPr>
-          <p:cNvSpPr/>
-          <p:nvPr/>
-        </p:nvSpPr>
-        <p:spPr>
-          <a:xfrm>
-            <a:off x="6669578" y="2959487"/>
-            <a:ext cx="2947880" cy="1263378"/>
-          </a:xfrm>
-          <a:prstGeom prst="roundRect">
-            <a:avLst/>
-          </a:prstGeom>
-        </p:spPr>
-        <p:style>
-          <a:lnRef idx="2">
-            <a:schemeClr val="accent1">
-              <a:shade val="50000"/>
-            </a:schemeClr>
-          </a:lnRef>
-          <a:fillRef idx="1">
-            <a:schemeClr val="accent1"/>
-          </a:fillRef>
-          <a:effectRef idx="0">
-            <a:schemeClr val="accent1"/>
-          </a:effectRef>
-          <a:fontRef idx="minor">
-            <a:schemeClr val="lt1"/>
-          </a:fontRef>
-        </p:style>
-        <p:txBody>
-          <a:bodyPr rtlCol="0" anchor="ctr"/>
-          <a:lstStyle/>
-          <a:p>
-            <a:pPr algn="ctr"/>
-            <a:r>
-              <a:rPr kumimoji="1" lang="zh-TW" altLang="en-US" dirty="0"/>
-              <a:t>難點</a:t>
-            </a:r>
-            <a:r>
-              <a:rPr kumimoji="1" lang="en-US" altLang="zh-TW" dirty="0"/>
-              <a:t>1</a:t>
-            </a:r>
-            <a:endParaRPr kumimoji="1" lang="zh-TW" altLang="en-US" dirty="0"/>
-          </a:p>
-        </p:txBody>
-      </p:sp>
-      <p:sp>
-        <p:nvSpPr>
-          <p:cNvPr id="21" name="圓角矩形 20">
-            <a:extLst>
-              <a:ext uri="{FF2B5EF4-FFF2-40B4-BE49-F238E27FC236}">
-                <a16:creationId xmlns:a16="http://schemas.microsoft.com/office/drawing/2014/main" id="{68D91C8A-7EA6-8148-AA48-A397BCB94E6C}"/>
-              </a:ext>
-            </a:extLst>
-          </p:cNvPr>
-          <p:cNvSpPr/>
-          <p:nvPr/>
-        </p:nvSpPr>
-        <p:spPr>
-          <a:xfrm>
-            <a:off x="7572619" y="4399017"/>
-            <a:ext cx="1141798" cy="489342"/>
-          </a:xfrm>
-          <a:prstGeom prst="roundRect">
-            <a:avLst/>
-          </a:prstGeom>
-        </p:spPr>
-        <p:style>
-          <a:lnRef idx="2">
-            <a:schemeClr val="accent2">
-              <a:shade val="50000"/>
-            </a:schemeClr>
-          </a:lnRef>
-          <a:fillRef idx="1">
-            <a:schemeClr val="accent2"/>
-          </a:fillRef>
-          <a:effectRef idx="0">
-            <a:schemeClr val="accent2"/>
-          </a:effectRef>
-          <a:fontRef idx="minor">
-            <a:schemeClr val="lt1"/>
-          </a:fontRef>
-        </p:style>
-        <p:txBody>
-          <a:bodyPr rtlCol="0" anchor="ctr"/>
-          <a:lstStyle/>
-          <a:p>
-            <a:pPr algn="ctr"/>
-            <a:r>
-              <a:rPr kumimoji="1" lang="zh-TW" altLang="en-US" dirty="0"/>
-              <a:t>技術創新</a:t>
-            </a:r>
-            <a:r>
-              <a:rPr kumimoji="1" lang="en-US" altLang="zh-TW" dirty="0"/>
-              <a:t>1</a:t>
-            </a:r>
-          </a:p>
-        </p:txBody>
-      </p:sp>
-    </p:spTree>
-    <p:extLst>
-      <p:ext uri="{BB962C8B-B14F-4D97-AF65-F5344CB8AC3E}">
-        <p14:creationId xmlns:p14="http://schemas.microsoft.com/office/powerpoint/2010/main" val="1586286874"/>
-      </p:ext>
-    </p:extLst>
-  </p:cSld>
-  <p:clrMapOvr>
-    <a:masterClrMapping/>
-  </p:clrMapOvr>
-</p:sld>
-</file>
-
-<file path=ppt/slides/slide7.xml><?xml version="1.0" encoding="utf-8"?>
-<p:sld xmlns:a="http://schemas.openxmlformats.org/drawingml/2006/main" xmlns:r="http://schemas.openxmlformats.org/officeDocument/2006/relationships" xmlns:p="http://schemas.openxmlformats.org/presentationml/2006/main">
-  <p:cSld>
-    <p:spTree>
-      <p:nvGrpSpPr>
-        <p:cNvPr id="1" name=""/>
-        <p:cNvGrpSpPr/>
-        <p:nvPr/>
-      </p:nvGrpSpPr>
-      <p:grpSpPr>
-        <a:xfrm>
-          <a:off x="0" y="0"/>
-          <a:ext cx="0" cy="0"/>
-          <a:chOff x="0" y="0"/>
-          <a:chExt cx="0" cy="0"/>
-        </a:xfrm>
-      </p:grpSpPr>
-      <p:sp>
-        <p:nvSpPr>
-          <p:cNvPr id="2" name="標題 1">
-            <a:extLst>
-              <a:ext uri="{FF2B5EF4-FFF2-40B4-BE49-F238E27FC236}">
-                <a16:creationId xmlns:a16="http://schemas.microsoft.com/office/drawing/2014/main" id="{C3205B05-8557-ED47-ADA1-2F3089EE56ED}"/>
-              </a:ext>
-            </a:extLst>
-          </p:cNvPr>
-          <p:cNvSpPr>
-            <a:spLocks noGrp="1"/>
-          </p:cNvSpPr>
-          <p:nvPr>
-            <p:ph type="title"/>
-          </p:nvPr>
-        </p:nvSpPr>
-        <p:spPr/>
-        <p:txBody>
-          <a:bodyPr/>
-          <a:lstStyle/>
-          <a:p>
-            <a:endParaRPr kumimoji="1" lang="zh-TW" altLang="en-US"/>
-          </a:p>
-        </p:txBody>
-      </p:sp>
-      <p:sp>
-        <p:nvSpPr>
-          <p:cNvPr id="4" name="投影片編號版面配置區 3">
-            <a:extLst>
-              <a:ext uri="{FF2B5EF4-FFF2-40B4-BE49-F238E27FC236}">
-                <a16:creationId xmlns:a16="http://schemas.microsoft.com/office/drawing/2014/main" id="{60CC1160-4B4C-1240-9A1C-4B5F8AF3B12A}"/>
-              </a:ext>
-            </a:extLst>
-          </p:cNvPr>
-          <p:cNvSpPr>
-            <a:spLocks noGrp="1"/>
-          </p:cNvSpPr>
-          <p:nvPr>
-            <p:ph type="sldNum" sz="quarter" idx="12"/>
-          </p:nvPr>
-        </p:nvSpPr>
-        <p:spPr/>
-        <p:txBody>
-          <a:bodyPr/>
-          <a:lstStyle/>
-          <a:p>
-            <a:fld id="{783BE80A-BC3D-CF4B-B1C8-9CF300F4A34D}" type="slidenum">
-              <a:rPr kumimoji="1" lang="zh-TW" altLang="en-US" smtClean="0"/>
-              <a:t>6</a:t>
-            </a:fld>
-            <a:endParaRPr kumimoji="1" lang="zh-TW" altLang="en-US"/>
-          </a:p>
-        </p:txBody>
-      </p:sp>
-      <p:sp>
-        <p:nvSpPr>
-          <p:cNvPr id="5" name="圓角矩形 4">
-            <a:extLst>
-              <a:ext uri="{FF2B5EF4-FFF2-40B4-BE49-F238E27FC236}">
-                <a16:creationId xmlns:a16="http://schemas.microsoft.com/office/drawing/2014/main" id="{9BFC7B96-CE6E-5E4B-88BD-BA0288FBD197}"/>
-              </a:ext>
-            </a:extLst>
-          </p:cNvPr>
-          <p:cNvSpPr/>
-          <p:nvPr/>
-        </p:nvSpPr>
-        <p:spPr>
-          <a:xfrm>
-            <a:off x="1172095" y="2169622"/>
-            <a:ext cx="2585258" cy="1346662"/>
-          </a:xfrm>
-          <a:prstGeom prst="roundRect">
-            <a:avLst/>
-          </a:prstGeom>
-        </p:spPr>
-        <p:style>
-          <a:lnRef idx="2">
-            <a:schemeClr val="accent1">
-              <a:shade val="50000"/>
-            </a:schemeClr>
-          </a:lnRef>
-          <a:fillRef idx="1">
-            <a:schemeClr val="accent1"/>
-          </a:fillRef>
-          <a:effectRef idx="0">
-            <a:schemeClr val="accent1"/>
-          </a:effectRef>
-          <a:fontRef idx="minor">
-            <a:schemeClr val="lt1"/>
-          </a:fontRef>
-        </p:style>
-        <p:txBody>
-          <a:bodyPr rtlCol="0" anchor="ctr"/>
-          <a:lstStyle/>
-          <a:p>
-            <a:pPr algn="ctr"/>
-            <a:r>
-              <a:rPr kumimoji="1" lang="en-US" altLang="zh-TW" dirty="0"/>
-              <a:t>stage1</a:t>
-            </a:r>
-            <a:endParaRPr kumimoji="1" lang="zh-TW" altLang="en-US" dirty="0"/>
-          </a:p>
-        </p:txBody>
-      </p:sp>
-      <p:sp>
-        <p:nvSpPr>
-          <p:cNvPr id="6" name="圓角矩形 5">
-            <a:extLst>
-              <a:ext uri="{FF2B5EF4-FFF2-40B4-BE49-F238E27FC236}">
-                <a16:creationId xmlns:a16="http://schemas.microsoft.com/office/drawing/2014/main" id="{7DC95B33-6ED4-0A4F-B5AE-CFE2CA2D4148}"/>
-              </a:ext>
-            </a:extLst>
-          </p:cNvPr>
-          <p:cNvSpPr/>
-          <p:nvPr/>
-        </p:nvSpPr>
-        <p:spPr>
-          <a:xfrm>
-            <a:off x="1172095" y="4142509"/>
-            <a:ext cx="2585258" cy="1346662"/>
-          </a:xfrm>
-          <a:prstGeom prst="roundRect">
-            <a:avLst/>
-          </a:prstGeom>
-        </p:spPr>
-        <p:style>
-          <a:lnRef idx="2">
-            <a:schemeClr val="accent1">
-              <a:shade val="50000"/>
-            </a:schemeClr>
-          </a:lnRef>
-          <a:fillRef idx="1">
-            <a:schemeClr val="accent1"/>
-          </a:fillRef>
-          <a:effectRef idx="0">
-            <a:schemeClr val="accent1"/>
-          </a:effectRef>
-          <a:fontRef idx="minor">
-            <a:schemeClr val="lt1"/>
-          </a:fontRef>
-        </p:style>
-        <p:txBody>
-          <a:bodyPr rtlCol="0" anchor="ctr"/>
-          <a:lstStyle/>
-          <a:p>
-            <a:pPr algn="ctr"/>
-            <a:r>
-              <a:rPr kumimoji="1" lang="en-US" altLang="zh-TW" dirty="0"/>
-              <a:t>stage2</a:t>
-            </a:r>
-            <a:endParaRPr kumimoji="1" lang="zh-TW" altLang="en-US" dirty="0"/>
-          </a:p>
-        </p:txBody>
-      </p:sp>
-      <p:sp>
-        <p:nvSpPr>
-          <p:cNvPr id="7" name="圓角矩形 6">
-            <a:extLst>
-              <a:ext uri="{FF2B5EF4-FFF2-40B4-BE49-F238E27FC236}">
-                <a16:creationId xmlns:a16="http://schemas.microsoft.com/office/drawing/2014/main" id="{118AA3C0-D132-DC42-939B-D462F92BD5D8}"/>
-              </a:ext>
-            </a:extLst>
-          </p:cNvPr>
-          <p:cNvSpPr/>
-          <p:nvPr/>
-        </p:nvSpPr>
-        <p:spPr>
-          <a:xfrm>
-            <a:off x="7692044" y="3211484"/>
-            <a:ext cx="2585258" cy="1346662"/>
-          </a:xfrm>
-          <a:prstGeom prst="roundRect">
-            <a:avLst/>
-          </a:prstGeom>
-        </p:spPr>
-        <p:style>
-          <a:lnRef idx="2">
-            <a:schemeClr val="accent1">
-              <a:shade val="50000"/>
-            </a:schemeClr>
-          </a:lnRef>
-          <a:fillRef idx="1">
-            <a:schemeClr val="accent1"/>
-          </a:fillRef>
-          <a:effectRef idx="0">
-            <a:schemeClr val="accent1"/>
-          </a:effectRef>
-          <a:fontRef idx="minor">
-            <a:schemeClr val="lt1"/>
-          </a:fontRef>
-        </p:style>
-        <p:txBody>
-          <a:bodyPr rtlCol="0" anchor="ctr"/>
-          <a:lstStyle/>
-          <a:p>
-            <a:pPr algn="ctr"/>
-            <a:r>
-              <a:rPr kumimoji="1" lang="en-US" altLang="zh-TW" dirty="0"/>
-              <a:t>stage3</a:t>
-            </a:r>
-            <a:endParaRPr kumimoji="1" lang="zh-TW" altLang="en-US" dirty="0"/>
-          </a:p>
-        </p:txBody>
-      </p:sp>
-    </p:spTree>
-    <p:extLst>
-      <p:ext uri="{BB962C8B-B14F-4D97-AF65-F5344CB8AC3E}">
-        <p14:creationId xmlns:p14="http://schemas.microsoft.com/office/powerpoint/2010/main" val="3480261226"/>
-      </p:ext>
-    </p:extLst>
-  </p:cSld>
-  <p:clrMapOvr>
-    <a:masterClrMapping/>
-  </p:clrMapOvr>
-</p:sld>
-</file>
-
-<file path=ppt/slides/slide8.xml><?xml version="1.0" encoding="utf-8"?>
-<p:sld xmlns:a="http://schemas.openxmlformats.org/drawingml/2006/main" xmlns:r="http://schemas.openxmlformats.org/officeDocument/2006/relationships" xmlns:p="http://schemas.openxmlformats.org/presentationml/2006/main">
-  <p:cSld>
-    <p:spTree>
-      <p:nvGrpSpPr>
-        <p:cNvPr id="1" name=""/>
-        <p:cNvGrpSpPr/>
-        <p:nvPr/>
-      </p:nvGrpSpPr>
-      <p:grpSpPr>
-        <a:xfrm>
-          <a:off x="0" y="0"/>
-          <a:ext cx="0" cy="0"/>
-          <a:chOff x="0" y="0"/>
-          <a:chExt cx="0" cy="0"/>
-        </a:xfrm>
-      </p:grpSpPr>
-      <p:sp>
-        <p:nvSpPr>
-          <p:cNvPr id="2" name="標題 1">
-            <a:extLst>
-              <a:ext uri="{FF2B5EF4-FFF2-40B4-BE49-F238E27FC236}">
-                <a16:creationId xmlns:a16="http://schemas.microsoft.com/office/drawing/2014/main" id="{C3205B05-8557-ED47-ADA1-2F3089EE56ED}"/>
-              </a:ext>
-            </a:extLst>
-          </p:cNvPr>
-          <p:cNvSpPr>
-            <a:spLocks noGrp="1"/>
-          </p:cNvSpPr>
-          <p:nvPr>
-            <p:ph type="title"/>
-          </p:nvPr>
-        </p:nvSpPr>
-        <p:spPr/>
-        <p:txBody>
-          <a:bodyPr/>
-          <a:lstStyle/>
-          <a:p>
-            <a:endParaRPr kumimoji="1" lang="zh-TW" altLang="en-US"/>
-          </a:p>
-        </p:txBody>
-      </p:sp>
-      <p:sp>
-        <p:nvSpPr>
-          <p:cNvPr id="4" name="投影片編號版面配置區 3">
-            <a:extLst>
-              <a:ext uri="{FF2B5EF4-FFF2-40B4-BE49-F238E27FC236}">
-                <a16:creationId xmlns:a16="http://schemas.microsoft.com/office/drawing/2014/main" id="{60CC1160-4B4C-1240-9A1C-4B5F8AF3B12A}"/>
-              </a:ext>
-            </a:extLst>
-          </p:cNvPr>
-          <p:cNvSpPr>
-            <a:spLocks noGrp="1"/>
-          </p:cNvSpPr>
-          <p:nvPr>
-            <p:ph type="sldNum" sz="quarter" idx="12"/>
-          </p:nvPr>
-        </p:nvSpPr>
-        <p:spPr/>
-        <p:txBody>
-          <a:bodyPr/>
-          <a:lstStyle/>
-          <a:p>
-            <a:fld id="{783BE80A-BC3D-CF4B-B1C8-9CF300F4A34D}" type="slidenum">
-              <a:rPr kumimoji="1" lang="zh-TW" altLang="en-US" smtClean="0"/>
-              <a:t>7</a:t>
-            </a:fld>
-            <a:endParaRPr kumimoji="1" lang="zh-TW" altLang="en-US"/>
-          </a:p>
-        </p:txBody>
-      </p:sp>
-      <p:sp>
-        <p:nvSpPr>
-          <p:cNvPr id="5" name="圓角矩形 4">
-            <a:extLst>
-              <a:ext uri="{FF2B5EF4-FFF2-40B4-BE49-F238E27FC236}">
-                <a16:creationId xmlns:a16="http://schemas.microsoft.com/office/drawing/2014/main" id="{9BFC7B96-CE6E-5E4B-88BD-BA0288FBD197}"/>
-              </a:ext>
-            </a:extLst>
-          </p:cNvPr>
-          <p:cNvSpPr/>
-          <p:nvPr/>
-        </p:nvSpPr>
-        <p:spPr>
-          <a:xfrm>
-            <a:off x="1172095" y="2169622"/>
-            <a:ext cx="2585258" cy="1346662"/>
-          </a:xfrm>
-          <a:prstGeom prst="roundRect">
-            <a:avLst/>
-          </a:prstGeom>
-        </p:spPr>
-        <p:style>
-          <a:lnRef idx="2">
-            <a:schemeClr val="accent2">
-              <a:shade val="50000"/>
-            </a:schemeClr>
-          </a:lnRef>
-          <a:fillRef idx="1">
-            <a:schemeClr val="accent2"/>
-          </a:fillRef>
-          <a:effectRef idx="0">
-            <a:schemeClr val="accent2"/>
-          </a:effectRef>
-          <a:fontRef idx="minor">
-            <a:schemeClr val="lt1"/>
-          </a:fontRef>
-        </p:style>
-        <p:txBody>
-          <a:bodyPr rtlCol="0" anchor="ctr"/>
-          <a:lstStyle/>
-          <a:p>
-            <a:pPr algn="ctr"/>
-            <a:r>
-              <a:rPr kumimoji="1" lang="en-US" altLang="zh-TW" dirty="0"/>
-              <a:t>stage1</a:t>
-            </a:r>
-            <a:endParaRPr kumimoji="1" lang="zh-TW" altLang="en-US" dirty="0"/>
-          </a:p>
-        </p:txBody>
-      </p:sp>
-      <p:sp>
-        <p:nvSpPr>
-          <p:cNvPr id="6" name="圓角矩形 5">
-            <a:extLst>
-              <a:ext uri="{FF2B5EF4-FFF2-40B4-BE49-F238E27FC236}">
-                <a16:creationId xmlns:a16="http://schemas.microsoft.com/office/drawing/2014/main" id="{7DC95B33-6ED4-0A4F-B5AE-CFE2CA2D4148}"/>
-              </a:ext>
-            </a:extLst>
-          </p:cNvPr>
-          <p:cNvSpPr/>
-          <p:nvPr/>
-        </p:nvSpPr>
-        <p:spPr>
-          <a:xfrm>
-            <a:off x="1172095" y="4142509"/>
-            <a:ext cx="2585258" cy="1346662"/>
-          </a:xfrm>
-          <a:prstGeom prst="roundRect">
-            <a:avLst/>
-          </a:prstGeom>
-        </p:spPr>
-        <p:style>
-          <a:lnRef idx="2">
-            <a:schemeClr val="accent1">
-              <a:shade val="50000"/>
-            </a:schemeClr>
-          </a:lnRef>
-          <a:fillRef idx="1">
-            <a:schemeClr val="accent1"/>
-          </a:fillRef>
-          <a:effectRef idx="0">
-            <a:schemeClr val="accent1"/>
-          </a:effectRef>
-          <a:fontRef idx="minor">
-            <a:schemeClr val="lt1"/>
-          </a:fontRef>
-        </p:style>
-        <p:txBody>
-          <a:bodyPr rtlCol="0" anchor="ctr"/>
-          <a:lstStyle/>
-          <a:p>
-            <a:pPr algn="ctr"/>
-            <a:r>
-              <a:rPr kumimoji="1" lang="en-US" altLang="zh-TW" dirty="0"/>
-              <a:t>stage2</a:t>
-            </a:r>
-            <a:endParaRPr kumimoji="1" lang="zh-TW" altLang="en-US" dirty="0"/>
-          </a:p>
-        </p:txBody>
-      </p:sp>
-      <p:sp>
-        <p:nvSpPr>
-          <p:cNvPr id="7" name="圓角矩形 6">
-            <a:extLst>
-              <a:ext uri="{FF2B5EF4-FFF2-40B4-BE49-F238E27FC236}">
-                <a16:creationId xmlns:a16="http://schemas.microsoft.com/office/drawing/2014/main" id="{118AA3C0-D132-DC42-939B-D462F92BD5D8}"/>
-              </a:ext>
-            </a:extLst>
-          </p:cNvPr>
-          <p:cNvSpPr/>
-          <p:nvPr/>
-        </p:nvSpPr>
-        <p:spPr>
-          <a:xfrm>
-            <a:off x="7692044" y="3211484"/>
-            <a:ext cx="2585258" cy="1346662"/>
-          </a:xfrm>
-          <a:prstGeom prst="roundRect">
-            <a:avLst/>
-          </a:prstGeom>
-        </p:spPr>
-        <p:style>
-          <a:lnRef idx="2">
-            <a:schemeClr val="accent1">
-              <a:shade val="50000"/>
-            </a:schemeClr>
-          </a:lnRef>
-          <a:fillRef idx="1">
-            <a:schemeClr val="accent1"/>
-          </a:fillRef>
-          <a:effectRef idx="0">
-            <a:schemeClr val="accent1"/>
-          </a:effectRef>
-          <a:fontRef idx="minor">
-            <a:schemeClr val="lt1"/>
-          </a:fontRef>
-        </p:style>
-        <p:txBody>
-          <a:bodyPr rtlCol="0" anchor="ctr"/>
-          <a:lstStyle/>
-          <a:p>
-            <a:pPr algn="ctr"/>
-            <a:r>
-              <a:rPr kumimoji="1" lang="en-US" altLang="zh-TW" dirty="0"/>
-              <a:t>stage3</a:t>
-            </a:r>
-            <a:endParaRPr kumimoji="1" lang="zh-TW" altLang="en-US" dirty="0"/>
-          </a:p>
-        </p:txBody>
-      </p:sp>
-    </p:spTree>
-    <p:extLst>
-      <p:ext uri="{BB962C8B-B14F-4D97-AF65-F5344CB8AC3E}">
-        <p14:creationId xmlns:p14="http://schemas.microsoft.com/office/powerpoint/2010/main" val="1749252838"/>
-      </p:ext>
-    </p:extLst>
-  </p:cSld>
-  <p:clrMapOvr>
-    <a:masterClrMapping/>
-  </p:clrMapOvr>
-</p:sld>
-</file>
-
-<file path=ppt/slides/slide9.xml><?xml version="1.0" encoding="utf-8"?>
-<p:sld xmlns:a="http://schemas.openxmlformats.org/drawingml/2006/main" xmlns:r="http://schemas.openxmlformats.org/officeDocument/2006/relationships" xmlns:p="http://schemas.openxmlformats.org/presentationml/2006/main">
-  <p:cSld>
-    <p:spTree>
-      <p:nvGrpSpPr>
-        <p:cNvPr id="1" name=""/>
-        <p:cNvGrpSpPr/>
-        <p:nvPr/>
-      </p:nvGrpSpPr>
-      <p:grpSpPr>
-        <a:xfrm>
-          <a:off x="0" y="0"/>
-          <a:ext cx="0" cy="0"/>
-          <a:chOff x="0" y="0"/>
-          <a:chExt cx="0" cy="0"/>
-        </a:xfrm>
-      </p:grpSpPr>
-      <p:sp>
-        <p:nvSpPr>
-          <p:cNvPr id="2" name="標題 1">
-            <a:extLst>
-              <a:ext uri="{FF2B5EF4-FFF2-40B4-BE49-F238E27FC236}">
-                <a16:creationId xmlns:a16="http://schemas.microsoft.com/office/drawing/2014/main" id="{C3205B05-8557-ED47-ADA1-2F3089EE56ED}"/>
-              </a:ext>
-            </a:extLst>
-          </p:cNvPr>
-          <p:cNvSpPr>
-            <a:spLocks noGrp="1"/>
-          </p:cNvSpPr>
-          <p:nvPr>
-            <p:ph type="title"/>
-          </p:nvPr>
-        </p:nvSpPr>
-        <p:spPr/>
-        <p:txBody>
-          <a:bodyPr/>
-          <a:lstStyle/>
-          <a:p>
-            <a:endParaRPr kumimoji="1" lang="zh-TW" altLang="en-US"/>
-          </a:p>
-        </p:txBody>
-      </p:sp>
-      <p:sp>
-        <p:nvSpPr>
-          <p:cNvPr id="4" name="投影片編號版面配置區 3">
-            <a:extLst>
-              <a:ext uri="{FF2B5EF4-FFF2-40B4-BE49-F238E27FC236}">
-                <a16:creationId xmlns:a16="http://schemas.microsoft.com/office/drawing/2014/main" id="{60CC1160-4B4C-1240-9A1C-4B5F8AF3B12A}"/>
-              </a:ext>
-            </a:extLst>
-          </p:cNvPr>
-          <p:cNvSpPr>
-            <a:spLocks noGrp="1"/>
-          </p:cNvSpPr>
-          <p:nvPr>
-            <p:ph type="sldNum" sz="quarter" idx="12"/>
-          </p:nvPr>
-        </p:nvSpPr>
-        <p:spPr/>
-        <p:txBody>
-          <a:bodyPr/>
-          <a:lstStyle/>
-          <a:p>
-            <a:fld id="{783BE80A-BC3D-CF4B-B1C8-9CF300F4A34D}" type="slidenum">
-              <a:rPr kumimoji="1" lang="zh-TW" altLang="en-US" smtClean="0"/>
-              <a:t>8</a:t>
-            </a:fld>
-            <a:endParaRPr kumimoji="1" lang="zh-TW" altLang="en-US"/>
-          </a:p>
-        </p:txBody>
-      </p:sp>
-      <p:sp>
-        <p:nvSpPr>
-          <p:cNvPr id="5" name="圓角矩形 4">
-            <a:extLst>
-              <a:ext uri="{FF2B5EF4-FFF2-40B4-BE49-F238E27FC236}">
-                <a16:creationId xmlns:a16="http://schemas.microsoft.com/office/drawing/2014/main" id="{9BFC7B96-CE6E-5E4B-88BD-BA0288FBD197}"/>
-              </a:ext>
-            </a:extLst>
-          </p:cNvPr>
-          <p:cNvSpPr/>
-          <p:nvPr/>
-        </p:nvSpPr>
-        <p:spPr>
-          <a:xfrm>
-            <a:off x="1172095" y="2169622"/>
-            <a:ext cx="2585258" cy="1346662"/>
-          </a:xfrm>
-          <a:prstGeom prst="roundRect">
-            <a:avLst/>
-          </a:prstGeom>
-        </p:spPr>
-        <p:style>
-          <a:lnRef idx="2">
-            <a:schemeClr val="accent1">
-              <a:shade val="50000"/>
-            </a:schemeClr>
-          </a:lnRef>
-          <a:fillRef idx="1">
-            <a:schemeClr val="accent1"/>
-          </a:fillRef>
-          <a:effectRef idx="0">
-            <a:schemeClr val="accent1"/>
-          </a:effectRef>
-          <a:fontRef idx="minor">
-            <a:schemeClr val="lt1"/>
-          </a:fontRef>
-        </p:style>
-        <p:txBody>
-          <a:bodyPr rtlCol="0" anchor="ctr"/>
-          <a:lstStyle/>
-          <a:p>
-            <a:pPr algn="ctr"/>
-            <a:r>
-              <a:rPr kumimoji="1" lang="en-US" altLang="zh-TW" dirty="0"/>
-              <a:t>stage1</a:t>
-            </a:r>
-            <a:endParaRPr kumimoji="1" lang="zh-TW" altLang="en-US" dirty="0"/>
-          </a:p>
-        </p:txBody>
-      </p:sp>
-      <p:sp>
-        <p:nvSpPr>
-          <p:cNvPr id="6" name="圓角矩形 5">
-            <a:extLst>
-              <a:ext uri="{FF2B5EF4-FFF2-40B4-BE49-F238E27FC236}">
-                <a16:creationId xmlns:a16="http://schemas.microsoft.com/office/drawing/2014/main" id="{7DC95B33-6ED4-0A4F-B5AE-CFE2CA2D4148}"/>
-              </a:ext>
-            </a:extLst>
-          </p:cNvPr>
-          <p:cNvSpPr/>
-          <p:nvPr/>
-        </p:nvSpPr>
-        <p:spPr>
-          <a:xfrm>
-            <a:off x="1172095" y="4142509"/>
-            <a:ext cx="2585258" cy="1346662"/>
-          </a:xfrm>
-          <a:prstGeom prst="roundRect">
-            <a:avLst/>
-          </a:prstGeom>
-        </p:spPr>
-        <p:style>
-          <a:lnRef idx="2">
-            <a:schemeClr val="accent2">
-              <a:shade val="50000"/>
-            </a:schemeClr>
-          </a:lnRef>
-          <a:fillRef idx="1">
-            <a:schemeClr val="accent2"/>
-          </a:fillRef>
-          <a:effectRef idx="0">
-            <a:schemeClr val="accent2"/>
-          </a:effectRef>
-          <a:fontRef idx="minor">
-            <a:schemeClr val="lt1"/>
-          </a:fontRef>
-        </p:style>
-        <p:txBody>
-          <a:bodyPr rtlCol="0" anchor="ctr"/>
-          <a:lstStyle/>
-          <a:p>
-            <a:pPr algn="ctr"/>
-            <a:r>
-              <a:rPr kumimoji="1" lang="en-US" altLang="zh-TW" dirty="0"/>
-              <a:t>stage2</a:t>
-            </a:r>
-            <a:endParaRPr kumimoji="1" lang="zh-TW" altLang="en-US" dirty="0"/>
-          </a:p>
-        </p:txBody>
-      </p:sp>
-      <p:sp>
-        <p:nvSpPr>
-          <p:cNvPr id="7" name="圓角矩形 6">
-            <a:extLst>
-              <a:ext uri="{FF2B5EF4-FFF2-40B4-BE49-F238E27FC236}">
-                <a16:creationId xmlns:a16="http://schemas.microsoft.com/office/drawing/2014/main" id="{118AA3C0-D132-DC42-939B-D462F92BD5D8}"/>
-              </a:ext>
-            </a:extLst>
-          </p:cNvPr>
-          <p:cNvSpPr/>
-          <p:nvPr/>
-        </p:nvSpPr>
-        <p:spPr>
-          <a:xfrm>
-            <a:off x="7692044" y="3211484"/>
-            <a:ext cx="2585258" cy="1346662"/>
-          </a:xfrm>
-          <a:prstGeom prst="roundRect">
-            <a:avLst/>
-          </a:prstGeom>
-        </p:spPr>
-        <p:style>
-          <a:lnRef idx="2">
-            <a:schemeClr val="accent1">
-              <a:shade val="50000"/>
-            </a:schemeClr>
-          </a:lnRef>
-          <a:fillRef idx="1">
-            <a:schemeClr val="accent1"/>
-          </a:fillRef>
-          <a:effectRef idx="0">
-            <a:schemeClr val="accent1"/>
-          </a:effectRef>
-          <a:fontRef idx="minor">
-            <a:schemeClr val="lt1"/>
-          </a:fontRef>
-        </p:style>
-        <p:txBody>
-          <a:bodyPr rtlCol="0" anchor="ctr"/>
-          <a:lstStyle/>
-          <a:p>
-            <a:pPr algn="ctr"/>
-            <a:r>
-              <a:rPr kumimoji="1" lang="en-US" altLang="zh-TW" dirty="0"/>
-              <a:t>stage3</a:t>
-            </a:r>
-            <a:endParaRPr kumimoji="1" lang="zh-TW" altLang="en-US" dirty="0"/>
-          </a:p>
-        </p:txBody>
-      </p:sp>
-    </p:spTree>
-    <p:extLst>
-      <p:ext uri="{BB962C8B-B14F-4D97-AF65-F5344CB8AC3E}">
-        <p14:creationId xmlns:p14="http://schemas.microsoft.com/office/powerpoint/2010/main" val="3666261125"/>
       </p:ext>
     </p:extLst>
   </p:cSld>
